--- a/Phase 4 Docs/Phase 4 - Presentation.pptx
+++ b/Phase 4 Docs/Phase 4 - Presentation.pptx
@@ -5,22 +5,23 @@
     <p:sldMasterId id="2147483648" r:id="rId4"/>
   </p:sldMasterIdLst>
   <p:notesMasterIdLst>
-    <p:notesMasterId r:id="rId15"/>
+    <p:notesMasterId r:id="rId16"/>
   </p:notesMasterIdLst>
   <p:handoutMasterIdLst>
-    <p:handoutMasterId r:id="rId16"/>
+    <p:handoutMasterId r:id="rId17"/>
   </p:handoutMasterIdLst>
   <p:sldIdLst>
     <p:sldId id="2448" r:id="rId5"/>
     <p:sldId id="259" r:id="rId6"/>
-    <p:sldId id="2466" r:id="rId7"/>
-    <p:sldId id="2467" r:id="rId8"/>
-    <p:sldId id="2463" r:id="rId9"/>
-    <p:sldId id="2476" r:id="rId10"/>
-    <p:sldId id="2482" r:id="rId11"/>
-    <p:sldId id="2481" r:id="rId12"/>
-    <p:sldId id="2480" r:id="rId13"/>
-    <p:sldId id="2436" r:id="rId14"/>
+    <p:sldId id="2484" r:id="rId7"/>
+    <p:sldId id="2483" r:id="rId8"/>
+    <p:sldId id="2485" r:id="rId9"/>
+    <p:sldId id="2486" r:id="rId10"/>
+    <p:sldId id="2487" r:id="rId11"/>
+    <p:sldId id="2488" r:id="rId12"/>
+    <p:sldId id="2489" r:id="rId13"/>
+    <p:sldId id="2490" r:id="rId14"/>
+    <p:sldId id="2436" r:id="rId15"/>
   </p:sldIdLst>
   <p:sldSz cx="12192000" cy="6858000"/>
   <p:notesSz cx="6858000" cy="9144000"/>
@@ -5342,6 +5343,405 @@
 <file path=ppt/slides/slide10.xml><?xml version="1.0" encoding="utf-8"?>
 <p:sld xmlns:a="http://schemas.openxmlformats.org/drawingml/2006/main" xmlns:r="http://schemas.openxmlformats.org/officeDocument/2006/relationships" xmlns:p="http://schemas.openxmlformats.org/presentationml/2006/main">
   <p:cSld>
+    <p:spTree>
+      <p:nvGrpSpPr>
+        <p:cNvPr id="1" name=""/>
+        <p:cNvGrpSpPr/>
+        <p:nvPr/>
+      </p:nvGrpSpPr>
+      <p:grpSpPr>
+        <a:xfrm>
+          <a:off x="0" y="0"/>
+          <a:ext cx="0" cy="0"/>
+          <a:chOff x="0" y="0"/>
+          <a:chExt cx="0" cy="0"/>
+        </a:xfrm>
+      </p:grpSpPr>
+      <p:pic>
+        <p:nvPicPr>
+          <p:cNvPr id="8" name="Picture Placeholder 7">
+            <a:extLst>
+              <a:ext uri="{FF2B5EF4-FFF2-40B4-BE49-F238E27FC236}">
+                <a16:creationId xmlns:a16="http://schemas.microsoft.com/office/drawing/2014/main" id="{7F25418B-76F9-2750-A688-AC6FBC404A7D}"/>
+              </a:ext>
+            </a:extLst>
+          </p:cNvPr>
+          <p:cNvPicPr>
+            <a:picLocks noGrp="1" noChangeAspect="1"/>
+          </p:cNvPicPr>
+          <p:nvPr>
+            <p:ph type="pic" sz="quarter" idx="13"/>
+          </p:nvPr>
+        </p:nvPicPr>
+        <p:blipFill>
+          <a:blip r:embed="rId2"/>
+          <a:srcRect l="13450" r="13450"/>
+          <a:stretch/>
+        </p:blipFill>
+        <p:spPr>
+          <a:xfrm>
+            <a:off x="0" y="1"/>
+            <a:ext cx="6382688" cy="6858000"/>
+          </a:xfrm>
+        </p:spPr>
+      </p:pic>
+      <p:sp>
+        <p:nvSpPr>
+          <p:cNvPr id="3" name="Title 2">
+            <a:extLst>
+              <a:ext uri="{FF2B5EF4-FFF2-40B4-BE49-F238E27FC236}">
+                <a16:creationId xmlns:a16="http://schemas.microsoft.com/office/drawing/2014/main" id="{A88E6E22-651F-50F0-F9E2-190A7CD517D6}"/>
+              </a:ext>
+            </a:extLst>
+          </p:cNvPr>
+          <p:cNvSpPr>
+            <a:spLocks noGrp="1"/>
+          </p:cNvSpPr>
+          <p:nvPr>
+            <p:ph type="title"/>
+          </p:nvPr>
+        </p:nvSpPr>
+        <p:spPr>
+          <a:xfrm>
+            <a:off x="6096000" y="966731"/>
+            <a:ext cx="5251450" cy="1661297"/>
+          </a:xfrm>
+        </p:spPr>
+        <p:txBody>
+          <a:bodyPr/>
+          <a:lstStyle/>
+          <a:p>
+            <a:r>
+              <a:rPr lang="en-US" dirty="0"/>
+              <a:t>Test case #3</a:t>
+            </a:r>
+          </a:p>
+        </p:txBody>
+      </p:sp>
+      <p:sp>
+        <p:nvSpPr>
+          <p:cNvPr id="4" name="Text Placeholder 3">
+            <a:extLst>
+              <a:ext uri="{FF2B5EF4-FFF2-40B4-BE49-F238E27FC236}">
+                <a16:creationId xmlns:a16="http://schemas.microsoft.com/office/drawing/2014/main" id="{22C3F3AA-A4DE-AA4E-CCA3-79820E58ECB8}"/>
+              </a:ext>
+            </a:extLst>
+          </p:cNvPr>
+          <p:cNvSpPr>
+            <a:spLocks noGrp="1"/>
+          </p:cNvSpPr>
+          <p:nvPr>
+            <p:ph type="body" idx="1"/>
+          </p:nvPr>
+        </p:nvSpPr>
+        <p:spPr>
+          <a:xfrm>
+            <a:off x="6096000" y="3081994"/>
+            <a:ext cx="5251450" cy="365125"/>
+          </a:xfrm>
+        </p:spPr>
+        <p:txBody>
+          <a:bodyPr/>
+          <a:lstStyle/>
+          <a:p>
+            <a:r>
+              <a:rPr lang="en-US" dirty="0"/>
+              <a:t>An animal not in the database</a:t>
+            </a:r>
+          </a:p>
+        </p:txBody>
+      </p:sp>
+      <p:sp>
+        <p:nvSpPr>
+          <p:cNvPr id="5" name="Slide Number Placeholder 4">
+            <a:extLst>
+              <a:ext uri="{FF2B5EF4-FFF2-40B4-BE49-F238E27FC236}">
+                <a16:creationId xmlns:a16="http://schemas.microsoft.com/office/drawing/2014/main" id="{9CF7BD37-D9F9-688C-CB5C-0D2175EDE1B8}"/>
+              </a:ext>
+            </a:extLst>
+          </p:cNvPr>
+          <p:cNvSpPr>
+            <a:spLocks noGrp="1"/>
+          </p:cNvSpPr>
+          <p:nvPr>
+            <p:ph type="sldNum" sz="quarter" idx="12"/>
+          </p:nvPr>
+        </p:nvSpPr>
+        <p:spPr/>
+        <p:txBody>
+          <a:bodyPr/>
+          <a:lstStyle/>
+          <a:p>
+            <a:fld id="{8C2E478F-E849-4A8C-AF1F-CBCC78A7CBFA}" type="slidenum">
+              <a:rPr lang="en-US" smtClean="0"/>
+              <a:t>10</a:t>
+            </a:fld>
+            <a:endParaRPr lang="en-US" dirty="0"/>
+          </a:p>
+        </p:txBody>
+      </p:sp>
+      <p:sp>
+        <p:nvSpPr>
+          <p:cNvPr id="6" name="Content Placeholder 8">
+            <a:extLst>
+              <a:ext uri="{FF2B5EF4-FFF2-40B4-BE49-F238E27FC236}">
+                <a16:creationId xmlns:a16="http://schemas.microsoft.com/office/drawing/2014/main" id="{E14C8B7C-5374-9F15-7E64-6002257A2D5E}"/>
+              </a:ext>
+            </a:extLst>
+          </p:cNvPr>
+          <p:cNvSpPr txBox="1">
+            <a:spLocks/>
+          </p:cNvSpPr>
+          <p:nvPr/>
+        </p:nvSpPr>
+        <p:spPr>
+          <a:xfrm>
+            <a:off x="6096000" y="3593221"/>
+            <a:ext cx="5569258" cy="2875082"/>
+          </a:xfrm>
+          <a:prstGeom prst="rect">
+            <a:avLst/>
+          </a:prstGeom>
+          <a:noFill/>
+        </p:spPr>
+        <p:txBody>
+          <a:bodyPr vert="horz" lIns="91440" tIns="45720" rIns="91440" bIns="45720" rtlCol="0" anchor="t">
+            <a:noAutofit/>
+          </a:bodyPr>
+          <a:lstStyle>
+            <a:defPPr>
+              <a:defRPr lang="en-US"/>
+            </a:defPPr>
+            <a:lvl1pPr indent="0">
+              <a:lnSpc>
+                <a:spcPct val="120000"/>
+              </a:lnSpc>
+              <a:spcBef>
+                <a:spcPts val="0"/>
+              </a:spcBef>
+              <a:buFont typeface="Arial" panose="020B0604020202020204" pitchFamily="34" charset="0"/>
+              <a:buNone/>
+              <a:defRPr sz="2400" cap="none" spc="0" baseline="0">
+                <a:solidFill>
+                  <a:sysClr val="windowText" lastClr="000000"/>
+                </a:solidFill>
+                <a:effectLst/>
+              </a:defRPr>
+            </a:lvl1pPr>
+            <a:lvl2pPr indent="0">
+              <a:lnSpc>
+                <a:spcPct val="150000"/>
+              </a:lnSpc>
+              <a:spcBef>
+                <a:spcPts val="500"/>
+              </a:spcBef>
+              <a:buFont typeface="Arial" panose="020B0604020202020204" pitchFamily="34" charset="0"/>
+              <a:buNone/>
+              <a:defRPr sz="2000">
+                <a:solidFill>
+                  <a:schemeClr val="tx1">
+                    <a:tint val="75000"/>
+                  </a:schemeClr>
+                </a:solidFill>
+              </a:defRPr>
+            </a:lvl2pPr>
+            <a:lvl3pPr indent="0">
+              <a:lnSpc>
+                <a:spcPct val="150000"/>
+              </a:lnSpc>
+              <a:spcBef>
+                <a:spcPts val="500"/>
+              </a:spcBef>
+              <a:buFont typeface="Arial" panose="020B0604020202020204" pitchFamily="34" charset="0"/>
+              <a:buNone/>
+              <a:defRPr>
+                <a:solidFill>
+                  <a:schemeClr val="tx1">
+                    <a:tint val="75000"/>
+                  </a:schemeClr>
+                </a:solidFill>
+              </a:defRPr>
+            </a:lvl3pPr>
+            <a:lvl4pPr indent="0">
+              <a:lnSpc>
+                <a:spcPct val="150000"/>
+              </a:lnSpc>
+              <a:spcBef>
+                <a:spcPts val="500"/>
+              </a:spcBef>
+              <a:buFont typeface="Arial" panose="020B0604020202020204" pitchFamily="34" charset="0"/>
+              <a:buNone/>
+              <a:defRPr sz="1600">
+                <a:solidFill>
+                  <a:schemeClr val="tx1">
+                    <a:tint val="75000"/>
+                  </a:schemeClr>
+                </a:solidFill>
+              </a:defRPr>
+            </a:lvl4pPr>
+            <a:lvl5pPr indent="0">
+              <a:lnSpc>
+                <a:spcPct val="150000"/>
+              </a:lnSpc>
+              <a:spcBef>
+                <a:spcPts val="500"/>
+              </a:spcBef>
+              <a:buFont typeface="Arial" panose="020B0604020202020204" pitchFamily="34" charset="0"/>
+              <a:buNone/>
+              <a:defRPr sz="1600">
+                <a:solidFill>
+                  <a:schemeClr val="tx1">
+                    <a:tint val="75000"/>
+                  </a:schemeClr>
+                </a:solidFill>
+              </a:defRPr>
+            </a:lvl5pPr>
+            <a:lvl6pPr indent="0">
+              <a:lnSpc>
+                <a:spcPct val="90000"/>
+              </a:lnSpc>
+              <a:spcBef>
+                <a:spcPts val="500"/>
+              </a:spcBef>
+              <a:buFont typeface="Arial" panose="020B0604020202020204" pitchFamily="34" charset="0"/>
+              <a:buNone/>
+              <a:defRPr sz="1600">
+                <a:solidFill>
+                  <a:schemeClr val="tx1">
+                    <a:tint val="75000"/>
+                  </a:schemeClr>
+                </a:solidFill>
+              </a:defRPr>
+            </a:lvl6pPr>
+            <a:lvl7pPr indent="0">
+              <a:lnSpc>
+                <a:spcPct val="90000"/>
+              </a:lnSpc>
+              <a:spcBef>
+                <a:spcPts val="500"/>
+              </a:spcBef>
+              <a:buFont typeface="Arial" panose="020B0604020202020204" pitchFamily="34" charset="0"/>
+              <a:buNone/>
+              <a:defRPr sz="1600">
+                <a:solidFill>
+                  <a:schemeClr val="tx1">
+                    <a:tint val="75000"/>
+                  </a:schemeClr>
+                </a:solidFill>
+              </a:defRPr>
+            </a:lvl7pPr>
+            <a:lvl8pPr indent="0">
+              <a:lnSpc>
+                <a:spcPct val="90000"/>
+              </a:lnSpc>
+              <a:spcBef>
+                <a:spcPts val="500"/>
+              </a:spcBef>
+              <a:buFont typeface="Arial" panose="020B0604020202020204" pitchFamily="34" charset="0"/>
+              <a:buNone/>
+              <a:defRPr sz="1600">
+                <a:solidFill>
+                  <a:schemeClr val="tx1">
+                    <a:tint val="75000"/>
+                  </a:schemeClr>
+                </a:solidFill>
+              </a:defRPr>
+            </a:lvl8pPr>
+            <a:lvl9pPr indent="0">
+              <a:lnSpc>
+                <a:spcPct val="90000"/>
+              </a:lnSpc>
+              <a:spcBef>
+                <a:spcPts val="500"/>
+              </a:spcBef>
+              <a:buFont typeface="Arial" panose="020B0604020202020204" pitchFamily="34" charset="0"/>
+              <a:buNone/>
+              <a:defRPr sz="1600">
+                <a:solidFill>
+                  <a:schemeClr val="tx1">
+                    <a:tint val="75000"/>
+                  </a:schemeClr>
+                </a:solidFill>
+              </a:defRPr>
+            </a:lvl9pPr>
+          </a:lstStyle>
+          <a:p>
+            <a:pPr marL="0" marR="0" indent="0">
+              <a:lnSpc>
+                <a:spcPct val="100000"/>
+              </a:lnSpc>
+              <a:spcBef>
+                <a:spcPts val="0"/>
+              </a:spcBef>
+              <a:spcAft>
+                <a:spcPts val="1200"/>
+              </a:spcAft>
+            </a:pPr>
+            <a:r>
+              <a:rPr lang="en-US" sz="1800" dirty="0"/>
+              <a:t>When uploading a picture of an animal not in our databases what will the program return?</a:t>
+            </a:r>
+          </a:p>
+          <a:p>
+            <a:pPr marL="0" marR="0" indent="0">
+              <a:lnSpc>
+                <a:spcPct val="100000"/>
+              </a:lnSpc>
+              <a:spcBef>
+                <a:spcPts val="0"/>
+              </a:spcBef>
+              <a:spcAft>
+                <a:spcPts val="1200"/>
+              </a:spcAft>
+            </a:pPr>
+            <a:r>
+              <a:rPr lang="en-US" sz="1800" dirty="0"/>
+              <a:t>Expected Result: A message stating nothing in the picture was recognized.</a:t>
+            </a:r>
+          </a:p>
+          <a:p>
+            <a:pPr>
+              <a:lnSpc>
+                <a:spcPct val="100000"/>
+              </a:lnSpc>
+              <a:spcAft>
+                <a:spcPts val="1200"/>
+              </a:spcAft>
+            </a:pPr>
+            <a:r>
+              <a:rPr lang="en-US" sz="1800" dirty="0"/>
+              <a:t>Result: The default layout without any species or suggested names.</a:t>
+            </a:r>
+          </a:p>
+          <a:p>
+            <a:pPr>
+              <a:lnSpc>
+                <a:spcPct val="100000"/>
+              </a:lnSpc>
+            </a:pPr>
+            <a:r>
+              <a:rPr lang="en-US" sz="1800" dirty="0"/>
+              <a:t>Potential Improvements: Program a default statement stating that the animal was not recognized. </a:t>
+            </a:r>
+          </a:p>
+        </p:txBody>
+      </p:sp>
+    </p:spTree>
+    <p:extLst>
+      <p:ext uri="{BB962C8B-B14F-4D97-AF65-F5344CB8AC3E}">
+        <p14:creationId xmlns:p14="http://schemas.microsoft.com/office/powerpoint/2010/main" val="3146922981"/>
+      </p:ext>
+    </p:extLst>
+  </p:cSld>
+  <p:clrMapOvr>
+    <a:masterClrMapping/>
+  </p:clrMapOvr>
+</p:sld>
+</file>
+
+<file path=ppt/slides/slide11.xml><?xml version="1.0" encoding="utf-8"?>
+<p:sld xmlns:a="http://schemas.openxmlformats.org/drawingml/2006/main" xmlns:r="http://schemas.openxmlformats.org/officeDocument/2006/relationships" xmlns:p="http://schemas.openxmlformats.org/presentationml/2006/main">
+  <p:cSld>
     <p:bg>
       <p:bgPr>
         <a:solidFill>
@@ -5783,48 +6183,6 @@
           <a:chExt cx="0" cy="0"/>
         </a:xfrm>
       </p:grpSpPr>
-      <p:pic>
-        <p:nvPicPr>
-          <p:cNvPr id="9" name="Picture Placeholder 7" descr="abstract image">
-            <a:extLst>
-              <a:ext uri="{FF2B5EF4-FFF2-40B4-BE49-F238E27FC236}">
-                <a16:creationId xmlns:a16="http://schemas.microsoft.com/office/drawing/2014/main" id="{10C261F5-27E5-A8D9-57BF-8DCB0A00F6B1}"/>
-              </a:ext>
-            </a:extLst>
-          </p:cNvPr>
-          <p:cNvPicPr>
-            <a:picLocks noChangeAspect="1"/>
-          </p:cNvPicPr>
-          <p:nvPr/>
-        </p:nvPicPr>
-        <p:blipFill rotWithShape="1">
-          <a:blip r:embed="rId2">
-            <a:alphaModFix/>
-            <a:extLst>
-              <a:ext uri="{BEBA8EAE-BF5A-486C-A8C5-ECC9F3942E4B}">
-                <a14:imgProps xmlns:a14="http://schemas.microsoft.com/office/drawing/2010/main">
-                  <a14:imgLayer r:embed="rId3">
-                    <a14:imgEffect>
-                      <a14:saturation sat="0"/>
-                    </a14:imgEffect>
-                  </a14:imgLayer>
-                </a14:imgProps>
-              </a:ext>
-            </a:extLst>
-          </a:blip>
-          <a:srcRect l="54869" r="205"/>
-          <a:stretch/>
-        </p:blipFill>
-        <p:spPr>
-          <a:xfrm>
-            <a:off x="-1" y="0"/>
-            <a:ext cx="5477523" cy="6858000"/>
-          </a:xfrm>
-          <a:prstGeom prst="rect">
-            <a:avLst/>
-          </a:prstGeom>
-        </p:spPr>
-      </p:pic>
       <p:sp>
         <p:nvSpPr>
           <p:cNvPr id="3" name="Title 2">
@@ -5843,19 +6201,26 @@
         </p:nvSpPr>
         <p:spPr>
           <a:xfrm>
-            <a:off x="6362330" y="411225"/>
+            <a:off x="5663954" y="420103"/>
             <a:ext cx="5251450" cy="956373"/>
           </a:xfrm>
         </p:spPr>
         <p:txBody>
           <a:bodyPr anchor="t">
-            <a:normAutofit/>
+            <a:normAutofit fontScale="90000"/>
           </a:bodyPr>
           <a:lstStyle/>
           <a:p>
             <a:r>
               <a:rPr lang="en-US" sz="4800" dirty="0"/>
-              <a:t>Technology</a:t>
+              <a:t>Gui Screenshot</a:t>
+            </a:r>
+            <a:br>
+              <a:rPr lang="en-US" sz="4800" dirty="0"/>
+            </a:br>
+            <a:r>
+              <a:rPr lang="en-US" sz="4800" dirty="0"/>
+              <a:t>- landing page</a:t>
             </a:r>
           </a:p>
         </p:txBody>
@@ -5878,8 +6243,8 @@
         </p:nvSpPr>
         <p:spPr>
           <a:xfrm>
-            <a:off x="6362330" y="2025552"/>
-            <a:ext cx="5829669" cy="365125"/>
+            <a:off x="5663954" y="2025552"/>
+            <a:ext cx="6528046" cy="365125"/>
           </a:xfrm>
         </p:spPr>
         <p:txBody>
@@ -5938,8 +6303,8 @@
         </p:nvSpPr>
         <p:spPr>
           <a:xfrm>
-            <a:off x="6362330" y="2574543"/>
-            <a:ext cx="4646246" cy="3038482"/>
+            <a:off x="5663954" y="2547910"/>
+            <a:ext cx="6329263" cy="3038482"/>
           </a:xfrm>
           <a:prstGeom prst="rect">
             <a:avLst/>
@@ -5948,7 +6313,7 @@
         </p:spPr>
         <p:txBody>
           <a:bodyPr vert="horz" lIns="91440" tIns="45720" rIns="91440" bIns="45720" rtlCol="0" anchor="t">
-            <a:normAutofit/>
+            <a:normAutofit fontScale="92500" lnSpcReduction="10000"/>
           </a:bodyPr>
           <a:lstStyle>
             <a:defPPr>
@@ -6108,17 +6473,41 @@
             </a:lvl9pPr>
           </a:lstStyle>
           <a:p>
+            <a:pPr>
+              <a:spcAft>
+                <a:spcPts val="1200"/>
+              </a:spcAft>
+            </a:pPr>
+            <a:r>
+              <a:rPr lang="en-US" sz="2200" dirty="0"/>
+              <a:t>When a pet owner IS NOT logged in, this is the home page.</a:t>
+            </a:r>
+          </a:p>
+          <a:p>
+            <a:r>
+              <a:rPr lang="en-US" sz="2200" dirty="0"/>
+              <a:t>Navigation bar links:</a:t>
+            </a:r>
+          </a:p>
+          <a:p>
             <a:pPr marL="342900" indent="-342900">
               <a:buFont typeface="Arial" panose="020B0604020202020204" pitchFamily="34" charset="0"/>
               <a:buChar char="•"/>
             </a:pPr>
             <a:r>
-              <a:rPr lang="en-US" dirty="0" err="1"/>
-              <a:t>VSCode</a:t>
-            </a:r>
-            <a:r>
-              <a:rPr lang="en-US" dirty="0"/>
-              <a:t> IDE</a:t>
+              <a:rPr lang="en-US" sz="2200" dirty="0"/>
+              <a:t>Home </a:t>
+            </a:r>
+            <a:r>
+              <a:rPr lang="en-US" sz="2200" dirty="0">
+                <a:solidFill>
+                  <a:schemeClr val="tx1">
+                    <a:lumMod val="50000"/>
+                    <a:lumOff val="50000"/>
+                  </a:schemeClr>
+                </a:solidFill>
+              </a:rPr>
+              <a:t>(current page)</a:t>
             </a:r>
           </a:p>
           <a:p>
@@ -6127,8 +6516,19 @@
               <a:buChar char="•"/>
             </a:pPr>
             <a:r>
-              <a:rPr lang="en-US" dirty="0"/>
-              <a:t>Python 3.11.8</a:t>
+              <a:rPr lang="en-US" sz="2200" dirty="0"/>
+              <a:t>Login </a:t>
+            </a:r>
+            <a:r>
+              <a:rPr lang="en-US" sz="2200" dirty="0">
+                <a:solidFill>
+                  <a:schemeClr val="tx1">
+                    <a:lumMod val="50000"/>
+                    <a:lumOff val="50000"/>
+                  </a:schemeClr>
+                </a:solidFill>
+              </a:rPr>
+              <a:t>(must already have an account)</a:t>
             </a:r>
           </a:p>
           <a:p>
@@ -6137,8 +6537,39 @@
               <a:buChar char="•"/>
             </a:pPr>
             <a:r>
-              <a:rPr lang="en-US" dirty="0"/>
-              <a:t>Django</a:t>
+              <a:rPr lang="en-US" sz="2200" dirty="0"/>
+              <a:t>Signup </a:t>
+            </a:r>
+            <a:r>
+              <a:rPr lang="en-US" sz="2200" dirty="0">
+                <a:solidFill>
+                  <a:schemeClr val="tx1">
+                    <a:lumMod val="50000"/>
+                    <a:lumOff val="50000"/>
+                  </a:schemeClr>
+                </a:solidFill>
+              </a:rPr>
+              <a:t>(create new account)</a:t>
+            </a:r>
+          </a:p>
+          <a:p>
+            <a:endParaRPr lang="en-US" sz="2200" dirty="0">
+              <a:solidFill>
+                <a:schemeClr val="tx1">
+                  <a:lumMod val="50000"/>
+                  <a:lumOff val="50000"/>
+                </a:schemeClr>
+              </a:solidFill>
+            </a:endParaRPr>
+          </a:p>
+          <a:p>
+            <a:r>
+              <a:rPr lang="en-US" sz="2200" dirty="0">
+                <a:solidFill>
+                  <a:schemeClr val="tx1"/>
+                </a:solidFill>
+              </a:rPr>
+              <a:t>Page link:</a:t>
             </a:r>
           </a:p>
           <a:p>
@@ -6147,33 +6578,65 @@
               <a:buChar char="•"/>
             </a:pPr>
             <a:r>
-              <a:rPr lang="en-US" dirty="0"/>
-              <a:t>Azure AI API</a:t>
-            </a:r>
+              <a:rPr lang="en-US" sz="2200" dirty="0"/>
+              <a:t>Get Started </a:t>
+            </a:r>
+            <a:r>
+              <a:rPr lang="en-US" sz="2200" dirty="0">
+                <a:solidFill>
+                  <a:schemeClr val="tx1">
+                    <a:lumMod val="50000"/>
+                    <a:lumOff val="50000"/>
+                  </a:schemeClr>
+                </a:solidFill>
+              </a:rPr>
+              <a:t>(goes to login page)</a:t>
+            </a:r>
+            <a:endParaRPr lang="en-US" sz="2200" dirty="0"/>
           </a:p>
           <a:p>
             <a:pPr marL="342900" indent="-342900">
               <a:buFont typeface="Arial" panose="020B0604020202020204" pitchFamily="34" charset="0"/>
               <a:buChar char="•"/>
             </a:pPr>
-            <a:r>
-              <a:rPr lang="en-US" dirty="0"/>
-              <a:t>SQLite3</a:t>
-            </a:r>
-          </a:p>
-          <a:p>
-            <a:pPr marL="342900" indent="-342900">
-              <a:buFont typeface="Arial" panose="020B0604020202020204" pitchFamily="34" charset="0"/>
-              <a:buChar char="•"/>
-            </a:pPr>
-            <a:endParaRPr lang="en-US" dirty="0"/>
-          </a:p>
-        </p:txBody>
-      </p:sp>
+            <a:endParaRPr lang="en-US" sz="2200" dirty="0"/>
+          </a:p>
+        </p:txBody>
+      </p:sp>
+      <p:pic>
+        <p:nvPicPr>
+          <p:cNvPr id="7" name="Picture 6">
+            <a:extLst>
+              <a:ext uri="{FF2B5EF4-FFF2-40B4-BE49-F238E27FC236}">
+                <a16:creationId xmlns:a16="http://schemas.microsoft.com/office/drawing/2014/main" id="{83B6A7F1-B615-ADF1-5BAC-8FF114EF56EC}"/>
+              </a:ext>
+            </a:extLst>
+          </p:cNvPr>
+          <p:cNvPicPr>
+            <a:picLocks noChangeAspect="1"/>
+          </p:cNvPicPr>
+          <p:nvPr/>
+        </p:nvPicPr>
+        <p:blipFill>
+          <a:blip r:embed="rId2"/>
+          <a:stretch>
+            <a:fillRect/>
+          </a:stretch>
+        </p:blipFill>
+        <p:spPr>
+          <a:xfrm>
+            <a:off x="-1" y="0"/>
+            <a:ext cx="4646245" cy="6881148"/>
+          </a:xfrm>
+          <a:prstGeom prst="rect">
+            <a:avLst/>
+          </a:prstGeom>
+        </p:spPr>
+      </p:pic>
     </p:spTree>
     <p:extLst>
       <p:ext uri="{BB962C8B-B14F-4D97-AF65-F5344CB8AC3E}">
-        <p14:creationId xmlns:p14="http://schemas.microsoft.com/office/powerpoint/2010/main" val="2441627795"/>
+        <p14:creationId xmlns:p14="http://schemas.microsoft.com/office/powerpoint/2010/main" val="3150854163"/>
       </p:ext>
     </p:extLst>
   </p:cSld>
@@ -6188,13 +6651,7 @@
   <p:cSld>
     <p:spTree>
       <p:nvGrpSpPr>
-        <p:cNvPr id="1" name="">
-          <a:extLst>
-            <a:ext uri="{FF2B5EF4-FFF2-40B4-BE49-F238E27FC236}">
-              <a16:creationId xmlns:a16="http://schemas.microsoft.com/office/drawing/2014/main" id="{896357A5-30E7-CACA-2709-93DCF9540AF7}"/>
-            </a:ext>
-          </a:extLst>
-        </p:cNvPr>
+        <p:cNvPr id="1" name=""/>
         <p:cNvGrpSpPr/>
         <p:nvPr/>
       </p:nvGrpSpPr>
@@ -6206,54 +6663,12 @@
           <a:chExt cx="0" cy="0"/>
         </a:xfrm>
       </p:grpSpPr>
-      <p:pic>
-        <p:nvPicPr>
-          <p:cNvPr id="9" name="Picture Placeholder 7" descr="abstract image">
-            <a:extLst>
-              <a:ext uri="{FF2B5EF4-FFF2-40B4-BE49-F238E27FC236}">
-                <a16:creationId xmlns:a16="http://schemas.microsoft.com/office/drawing/2014/main" id="{5C3FB363-C41E-01DF-5DF7-4C7B1F8A89FC}"/>
-              </a:ext>
-            </a:extLst>
-          </p:cNvPr>
-          <p:cNvPicPr>
-            <a:picLocks noChangeAspect="1"/>
-          </p:cNvPicPr>
-          <p:nvPr/>
-        </p:nvPicPr>
-        <p:blipFill rotWithShape="1">
-          <a:blip r:embed="rId2">
-            <a:alphaModFix/>
-            <a:extLst>
-              <a:ext uri="{BEBA8EAE-BF5A-486C-A8C5-ECC9F3942E4B}">
-                <a14:imgProps xmlns:a14="http://schemas.microsoft.com/office/drawing/2010/main">
-                  <a14:imgLayer r:embed="rId3">
-                    <a14:imgEffect>
-                      <a14:saturation sat="0"/>
-                    </a14:imgEffect>
-                  </a14:imgLayer>
-                </a14:imgProps>
-              </a:ext>
-            </a:extLst>
-          </a:blip>
-          <a:srcRect l="18261" r="36813"/>
-          <a:stretch/>
-        </p:blipFill>
-        <p:spPr>
-          <a:xfrm>
-            <a:off x="-1" y="0"/>
-            <a:ext cx="5477523" cy="6858000"/>
-          </a:xfrm>
-          <a:prstGeom prst="rect">
-            <a:avLst/>
-          </a:prstGeom>
-        </p:spPr>
-      </p:pic>
       <p:sp>
         <p:nvSpPr>
           <p:cNvPr id="3" name="Title 2">
             <a:extLst>
               <a:ext uri="{FF2B5EF4-FFF2-40B4-BE49-F238E27FC236}">
-                <a16:creationId xmlns:a16="http://schemas.microsoft.com/office/drawing/2014/main" id="{AF5B7F56-DA07-310F-2F5E-594FAE5F324D}"/>
+                <a16:creationId xmlns:a16="http://schemas.microsoft.com/office/drawing/2014/main" id="{1D24B42B-925B-494C-A986-BD85E8117E1E}"/>
               </a:ext>
             </a:extLst>
           </p:cNvPr>
@@ -6266,19 +6681,26 @@
         </p:nvSpPr>
         <p:spPr>
           <a:xfrm>
-            <a:off x="6362330" y="411225"/>
+            <a:off x="5663954" y="420103"/>
             <a:ext cx="5251450" cy="956373"/>
           </a:xfrm>
         </p:spPr>
         <p:txBody>
           <a:bodyPr anchor="t">
-            <a:normAutofit/>
+            <a:normAutofit fontScale="90000"/>
           </a:bodyPr>
           <a:lstStyle/>
           <a:p>
             <a:r>
               <a:rPr lang="en-US" sz="4800" dirty="0"/>
-              <a:t>Phase 3 updates</a:t>
+              <a:t>Gui Screenshot</a:t>
+            </a:r>
+            <a:br>
+              <a:rPr lang="en-US" sz="4800" dirty="0"/>
+            </a:br>
+            <a:r>
+              <a:rPr lang="en-US" sz="4800" dirty="0"/>
+              <a:t>- login page</a:t>
             </a:r>
           </a:p>
         </p:txBody>
@@ -6288,7 +6710,7 @@
           <p:cNvPr id="5" name="Text Placeholder 4">
             <a:extLst>
               <a:ext uri="{FF2B5EF4-FFF2-40B4-BE49-F238E27FC236}">
-                <a16:creationId xmlns:a16="http://schemas.microsoft.com/office/drawing/2014/main" id="{AEBF041D-D309-7AB4-AF34-B9636AF39DDF}"/>
+                <a16:creationId xmlns:a16="http://schemas.microsoft.com/office/drawing/2014/main" id="{AF9B872F-6332-408E-9135-B871F0C90C00}"/>
               </a:ext>
             </a:extLst>
           </p:cNvPr>
@@ -6301,8 +6723,8 @@
         </p:nvSpPr>
         <p:spPr>
           <a:xfrm>
-            <a:off x="6362330" y="2025552"/>
-            <a:ext cx="5829669" cy="365125"/>
+            <a:off x="5663954" y="2025552"/>
+            <a:ext cx="6528046" cy="365125"/>
           </a:xfrm>
         </p:spPr>
         <p:txBody>
@@ -6321,7 +6743,7 @@
           <p:cNvPr id="2" name="Slide Number Placeholder 1">
             <a:extLst>
               <a:ext uri="{FF2B5EF4-FFF2-40B4-BE49-F238E27FC236}">
-                <a16:creationId xmlns:a16="http://schemas.microsoft.com/office/drawing/2014/main" id="{AA91C46B-0405-BC26-B64A-218461638CE6}"/>
+                <a16:creationId xmlns:a16="http://schemas.microsoft.com/office/drawing/2014/main" id="{948DD8A0-BD53-4DBF-949B-0D64D12DADA9}"/>
               </a:ext>
             </a:extLst>
           </p:cNvPr>
@@ -6350,7 +6772,7 @@
           <p:cNvPr id="6" name="Content Placeholder 8">
             <a:extLst>
               <a:ext uri="{FF2B5EF4-FFF2-40B4-BE49-F238E27FC236}">
-                <a16:creationId xmlns:a16="http://schemas.microsoft.com/office/drawing/2014/main" id="{BDEA54F7-AC68-3AA7-82ED-71F2213BDAB1}"/>
+                <a16:creationId xmlns:a16="http://schemas.microsoft.com/office/drawing/2014/main" id="{3B4F2E0F-78BC-2FE8-4808-2A26179B55EA}"/>
               </a:ext>
             </a:extLst>
           </p:cNvPr>
@@ -6361,8 +6783,8 @@
         </p:nvSpPr>
         <p:spPr>
           <a:xfrm>
-            <a:off x="6362329" y="2390677"/>
-            <a:ext cx="5477523" cy="4077626"/>
+            <a:off x="5663954" y="2547910"/>
+            <a:ext cx="6329263" cy="3038482"/>
           </a:xfrm>
           <a:prstGeom prst="rect">
             <a:avLst/>
@@ -6371,7 +6793,7 @@
         </p:spPr>
         <p:txBody>
           <a:bodyPr vert="horz" lIns="91440" tIns="45720" rIns="91440" bIns="45720" rtlCol="0" anchor="t">
-            <a:normAutofit lnSpcReduction="10000"/>
+            <a:normAutofit fontScale="85000" lnSpcReduction="20000"/>
           </a:bodyPr>
           <a:lstStyle>
             <a:defPPr>
@@ -6531,69 +6953,184 @@
             </a:lvl9pPr>
           </a:lstStyle>
           <a:p>
-            <a:pPr>
-              <a:spcAft>
-                <a:spcPts val="1200"/>
-              </a:spcAft>
-            </a:pPr>
-            <a:r>
-              <a:rPr lang="en-US" sz="2000" dirty="0"/>
-              <a:t>We worked on:</a:t>
+            <a:r>
+              <a:rPr lang="en-US" dirty="0"/>
+              <a:t>Navigation bar links:</a:t>
             </a:r>
           </a:p>
           <a:p>
             <a:pPr marL="342900" indent="-342900">
-              <a:spcAft>
-                <a:spcPts val="1200"/>
-              </a:spcAft>
               <a:buFont typeface="Arial" panose="020B0604020202020204" pitchFamily="34" charset="0"/>
               <a:buChar char="•"/>
             </a:pPr>
             <a:r>
-              <a:rPr lang="en-US" sz="2000" dirty="0"/>
-              <a:t>Understanding how Django and Python work together</a:t>
+              <a:rPr lang="en-US" dirty="0"/>
+              <a:t>Home </a:t>
+            </a:r>
+            <a:r>
+              <a:rPr lang="en-US" dirty="0">
+                <a:solidFill>
+                  <a:schemeClr val="tx1">
+                    <a:lumMod val="50000"/>
+                    <a:lumOff val="50000"/>
+                  </a:schemeClr>
+                </a:solidFill>
+              </a:rPr>
+              <a:t>(landing page)</a:t>
             </a:r>
           </a:p>
           <a:p>
             <a:pPr marL="342900" indent="-342900">
-              <a:spcAft>
-                <a:spcPts val="1200"/>
-              </a:spcAft>
               <a:buFont typeface="Arial" panose="020B0604020202020204" pitchFamily="34" charset="0"/>
               <a:buChar char="•"/>
             </a:pPr>
             <a:r>
-              <a:rPr lang="en-US" sz="2000" dirty="0"/>
-              <a:t>Learned that the implementation of the Django/Python combo to our IDE, </a:t>
-            </a:r>
-            <a:r>
-              <a:rPr lang="en-US" sz="2000" dirty="0" err="1"/>
-              <a:t>VSCode</a:t>
-            </a:r>
-            <a:r>
-              <a:rPr lang="en-US" sz="2000" dirty="0"/>
-              <a:t>, has a built in SQL database that we can access through the website admin page instead of needing to use a separate SQL application</a:t>
+              <a:rPr lang="en-US" dirty="0"/>
+              <a:t>Login </a:t>
+            </a:r>
+            <a:r>
+              <a:rPr lang="en-US" dirty="0">
+                <a:solidFill>
+                  <a:schemeClr val="tx1">
+                    <a:lumMod val="50000"/>
+                    <a:lumOff val="50000"/>
+                  </a:schemeClr>
+                </a:solidFill>
+              </a:rPr>
+              <a:t>(current page, must already have an account)</a:t>
             </a:r>
           </a:p>
           <a:p>
             <a:pPr marL="342900" indent="-342900">
-              <a:spcAft>
-                <a:spcPts val="1200"/>
-              </a:spcAft>
               <a:buFont typeface="Arial" panose="020B0604020202020204" pitchFamily="34" charset="0"/>
               <a:buChar char="•"/>
             </a:pPr>
             <a:r>
-              <a:rPr lang="en-US" sz="2000" dirty="0"/>
-              <a:t>How to integrate and implement the Azure AI image recognition API</a:t>
-            </a:r>
-          </a:p>
-        </p:txBody>
-      </p:sp>
+              <a:rPr lang="en-US" dirty="0"/>
+              <a:t>Signup </a:t>
+            </a:r>
+            <a:r>
+              <a:rPr lang="en-US" dirty="0">
+                <a:solidFill>
+                  <a:schemeClr val="tx1">
+                    <a:lumMod val="50000"/>
+                    <a:lumOff val="50000"/>
+                  </a:schemeClr>
+                </a:solidFill>
+              </a:rPr>
+              <a:t>(create new account)</a:t>
+            </a:r>
+          </a:p>
+          <a:p>
+            <a:endParaRPr lang="en-US" dirty="0">
+              <a:solidFill>
+                <a:schemeClr val="tx1">
+                  <a:lumMod val="50000"/>
+                  <a:lumOff val="50000"/>
+                </a:schemeClr>
+              </a:solidFill>
+            </a:endParaRPr>
+          </a:p>
+          <a:p>
+            <a:r>
+              <a:rPr lang="en-US" dirty="0">
+                <a:solidFill>
+                  <a:schemeClr val="tx1"/>
+                </a:solidFill>
+              </a:rPr>
+              <a:t>Page links:</a:t>
+            </a:r>
+          </a:p>
+          <a:p>
+            <a:pPr marL="342900" indent="-342900">
+              <a:buFont typeface="Arial" panose="020B0604020202020204" pitchFamily="34" charset="0"/>
+              <a:buChar char="•"/>
+            </a:pPr>
+            <a:r>
+              <a:rPr lang="en-US" dirty="0"/>
+              <a:t>Login </a:t>
+            </a:r>
+            <a:r>
+              <a:rPr lang="en-US" dirty="0">
+                <a:solidFill>
+                  <a:schemeClr val="tx1">
+                    <a:lumMod val="50000"/>
+                    <a:lumOff val="50000"/>
+                  </a:schemeClr>
+                </a:solidFill>
+              </a:rPr>
+              <a:t>(when a pet owner already has an account)</a:t>
+            </a:r>
+          </a:p>
+          <a:p>
+            <a:pPr marL="342900" indent="-342900">
+              <a:buFont typeface="Arial" panose="020B0604020202020204" pitchFamily="34" charset="0"/>
+              <a:buChar char="•"/>
+            </a:pPr>
+            <a:r>
+              <a:rPr lang="en-US" dirty="0">
+                <a:solidFill>
+                  <a:schemeClr val="tx1"/>
+                </a:solidFill>
+              </a:rPr>
+              <a:t>Sign in with Google </a:t>
+            </a:r>
+            <a:r>
+              <a:rPr lang="en-US" dirty="0">
+                <a:solidFill>
+                  <a:schemeClr val="tx1">
+                    <a:lumMod val="50000"/>
+                    <a:lumOff val="50000"/>
+                  </a:schemeClr>
+                </a:solidFill>
+              </a:rPr>
+              <a:t>(a pet owner can use their Google account to log in)</a:t>
+            </a:r>
+            <a:endParaRPr lang="en-US" dirty="0"/>
+          </a:p>
+          <a:p>
+            <a:pPr marL="342900" indent="-342900">
+              <a:buFont typeface="Arial" panose="020B0604020202020204" pitchFamily="34" charset="0"/>
+              <a:buChar char="•"/>
+            </a:pPr>
+            <a:endParaRPr lang="en-US" dirty="0"/>
+          </a:p>
+        </p:txBody>
+      </p:sp>
+      <p:pic>
+        <p:nvPicPr>
+          <p:cNvPr id="8" name="Picture 7">
+            <a:extLst>
+              <a:ext uri="{FF2B5EF4-FFF2-40B4-BE49-F238E27FC236}">
+                <a16:creationId xmlns:a16="http://schemas.microsoft.com/office/drawing/2014/main" id="{4C29A5E8-1577-F431-D94A-FEF3204C2741}"/>
+              </a:ext>
+            </a:extLst>
+          </p:cNvPr>
+          <p:cNvPicPr>
+            <a:picLocks noChangeAspect="1"/>
+          </p:cNvPicPr>
+          <p:nvPr/>
+        </p:nvPicPr>
+        <p:blipFill>
+          <a:blip r:embed="rId2"/>
+          <a:stretch>
+            <a:fillRect/>
+          </a:stretch>
+        </p:blipFill>
+        <p:spPr>
+          <a:xfrm>
+            <a:off x="0" y="3050"/>
+            <a:ext cx="4074850" cy="6890724"/>
+          </a:xfrm>
+          <a:prstGeom prst="rect">
+            <a:avLst/>
+          </a:prstGeom>
+        </p:spPr>
+      </p:pic>
     </p:spTree>
     <p:extLst>
       <p:ext uri="{BB962C8B-B14F-4D97-AF65-F5344CB8AC3E}">
-        <p14:creationId xmlns:p14="http://schemas.microsoft.com/office/powerpoint/2010/main" val="2790229447"/>
+        <p14:creationId xmlns:p14="http://schemas.microsoft.com/office/powerpoint/2010/main" val="3709066349"/>
       </p:ext>
     </p:extLst>
   </p:cSld>
@@ -6638,19 +7175,26 @@
         </p:nvSpPr>
         <p:spPr>
           <a:xfrm>
-            <a:off x="6362331" y="401907"/>
-            <a:ext cx="5251450" cy="1661297"/>
+            <a:off x="5663954" y="420103"/>
+            <a:ext cx="5251450" cy="956373"/>
           </a:xfrm>
         </p:spPr>
         <p:txBody>
           <a:bodyPr anchor="t">
-            <a:normAutofit/>
+            <a:normAutofit fontScale="90000"/>
           </a:bodyPr>
           <a:lstStyle/>
           <a:p>
             <a:r>
-              <a:rPr lang="en-US" dirty="0"/>
-              <a:t>Overview</a:t>
+              <a:rPr lang="en-US" sz="4800" dirty="0"/>
+              <a:t>Gui Screenshot</a:t>
+            </a:r>
+            <a:br>
+              <a:rPr lang="en-US" sz="4800" dirty="0"/>
+            </a:br>
+            <a:r>
+              <a:rPr lang="en-US" sz="4800" dirty="0"/>
+              <a:t>- signup page</a:t>
             </a:r>
           </a:p>
         </p:txBody>
@@ -6673,8 +7217,8 @@
         </p:nvSpPr>
         <p:spPr>
           <a:xfrm>
-            <a:off x="6362329" y="1822370"/>
-            <a:ext cx="5829669" cy="365125"/>
+            <a:off x="5663954" y="2025552"/>
+            <a:ext cx="6528046" cy="365125"/>
           </a:xfrm>
         </p:spPr>
         <p:txBody>
@@ -6733,8 +7277,8 @@
         </p:nvSpPr>
         <p:spPr>
           <a:xfrm>
-            <a:off x="6362330" y="2432483"/>
-            <a:ext cx="5517781" cy="3764132"/>
+            <a:off x="5663954" y="2547910"/>
+            <a:ext cx="6329263" cy="3038482"/>
           </a:xfrm>
           <a:prstGeom prst="rect">
             <a:avLst/>
@@ -6743,7 +7287,7 @@
         </p:spPr>
         <p:txBody>
           <a:bodyPr vert="horz" lIns="91440" tIns="45720" rIns="91440" bIns="45720" rtlCol="0" anchor="t">
-            <a:normAutofit/>
+            <a:normAutofit fontScale="92500" lnSpcReduction="20000"/>
           </a:bodyPr>
           <a:lstStyle>
             <a:defPPr>
@@ -6903,65 +7447,131 @@
             </a:lvl9pPr>
           </a:lstStyle>
           <a:p>
+            <a:r>
+              <a:rPr lang="en-US" dirty="0"/>
+              <a:t>Navigation bar links:</a:t>
+            </a:r>
+          </a:p>
+          <a:p>
             <a:pPr marL="342900" indent="-342900">
-              <a:spcBef>
-                <a:spcPts val="1200"/>
-              </a:spcBef>
               <a:buFont typeface="Arial" panose="020B0604020202020204" pitchFamily="34" charset="0"/>
               <a:buChar char="•"/>
             </a:pPr>
             <a:r>
               <a:rPr lang="en-US" dirty="0"/>
-              <a:t>Landing page </a:t>
+              <a:t>Home </a:t>
+            </a:r>
+            <a:r>
+              <a:rPr lang="en-US" dirty="0">
+                <a:solidFill>
+                  <a:schemeClr val="tx1">
+                    <a:lumMod val="50000"/>
+                    <a:lumOff val="50000"/>
+                  </a:schemeClr>
+                </a:solidFill>
+              </a:rPr>
+              <a:t>(landing page)</a:t>
             </a:r>
           </a:p>
           <a:p>
             <a:pPr marL="342900" indent="-342900">
-              <a:spcBef>
-                <a:spcPts val="1200"/>
-              </a:spcBef>
               <a:buFont typeface="Arial" panose="020B0604020202020204" pitchFamily="34" charset="0"/>
               <a:buChar char="•"/>
             </a:pPr>
             <a:r>
               <a:rPr lang="en-US" dirty="0"/>
-              <a:t>Login screen with account creation</a:t>
+              <a:t>Login </a:t>
+            </a:r>
+            <a:r>
+              <a:rPr lang="en-US" dirty="0">
+                <a:solidFill>
+                  <a:schemeClr val="tx1">
+                    <a:lumMod val="50000"/>
+                    <a:lumOff val="50000"/>
+                  </a:schemeClr>
+                </a:solidFill>
+              </a:rPr>
+              <a:t>(current page, must already have an account)</a:t>
             </a:r>
           </a:p>
           <a:p>
             <a:pPr marL="342900" indent="-342900">
-              <a:spcBef>
-                <a:spcPts val="1200"/>
-              </a:spcBef>
               <a:buFont typeface="Arial" panose="020B0604020202020204" pitchFamily="34" charset="0"/>
               <a:buChar char="•"/>
             </a:pPr>
             <a:r>
               <a:rPr lang="en-US" dirty="0"/>
-              <a:t>Picture upload screen</a:t>
+              <a:t>Signup </a:t>
+            </a:r>
+            <a:r>
+              <a:rPr lang="en-US" dirty="0">
+                <a:solidFill>
+                  <a:schemeClr val="tx1">
+                    <a:lumMod val="50000"/>
+                    <a:lumOff val="50000"/>
+                  </a:schemeClr>
+                </a:solidFill>
+              </a:rPr>
+              <a:t>(current page)</a:t>
+            </a:r>
+          </a:p>
+          <a:p>
+            <a:endParaRPr lang="en-US" dirty="0">
+              <a:solidFill>
+                <a:schemeClr val="tx1">
+                  <a:lumMod val="50000"/>
+                  <a:lumOff val="50000"/>
+                </a:schemeClr>
+              </a:solidFill>
+            </a:endParaRPr>
+          </a:p>
+          <a:p>
+            <a:r>
+              <a:rPr lang="en-US" dirty="0">
+                <a:solidFill>
+                  <a:schemeClr val="tx1"/>
+                </a:solidFill>
+              </a:rPr>
+              <a:t>Page link:</a:t>
             </a:r>
           </a:p>
           <a:p>
             <a:pPr marL="342900" indent="-342900">
-              <a:spcBef>
-                <a:spcPts val="1200"/>
-              </a:spcBef>
               <a:buFont typeface="Arial" panose="020B0604020202020204" pitchFamily="34" charset="0"/>
               <a:buChar char="•"/>
             </a:pPr>
             <a:r>
               <a:rPr lang="en-US" dirty="0"/>
-              <a:t>Picture recognition response with name suggestions from designated databases based on the animal recognized</a:t>
-            </a:r>
+              <a:t>Sign Up </a:t>
+            </a:r>
+            <a:r>
+              <a:rPr lang="en-US" dirty="0">
+                <a:solidFill>
+                  <a:schemeClr val="tx1">
+                    <a:lumMod val="50000"/>
+                    <a:lumOff val="50000"/>
+                  </a:schemeClr>
+                </a:solidFill>
+              </a:rPr>
+              <a:t>(completes account creation, goes to the login screen)</a:t>
+            </a:r>
+            <a:endParaRPr lang="en-US" dirty="0"/>
+          </a:p>
+          <a:p>
+            <a:pPr marL="342900" indent="-342900">
+              <a:buFont typeface="Arial" panose="020B0604020202020204" pitchFamily="34" charset="0"/>
+              <a:buChar char="•"/>
+            </a:pPr>
+            <a:endParaRPr lang="en-US" dirty="0"/>
           </a:p>
         </p:txBody>
       </p:sp>
       <p:pic>
         <p:nvPicPr>
-          <p:cNvPr id="4" name="Picture Placeholder 7" descr="close up of computer code">
-            <a:extLst>
-              <a:ext uri="{FF2B5EF4-FFF2-40B4-BE49-F238E27FC236}">
-                <a16:creationId xmlns:a16="http://schemas.microsoft.com/office/drawing/2014/main" id="{EFC42499-7A07-6EF5-2A4A-AD93E002BC94}"/>
+          <p:cNvPr id="7" name="Picture 6">
+            <a:extLst>
+              <a:ext uri="{FF2B5EF4-FFF2-40B4-BE49-F238E27FC236}">
+                <a16:creationId xmlns:a16="http://schemas.microsoft.com/office/drawing/2014/main" id="{C803CF8E-83E3-E228-A966-52C52D724E5E}"/>
               </a:ext>
             </a:extLst>
           </p:cNvPr>
@@ -6970,109 +7580,26 @@
           </p:cNvPicPr>
           <p:nvPr/>
         </p:nvPicPr>
-        <p:blipFill rotWithShape="1">
-          <a:blip r:embed="rId2">
-            <a:extLst>
-              <a:ext uri="{BEBA8EAE-BF5A-486C-A8C5-ECC9F3942E4B}">
-                <a14:imgProps xmlns:a14="http://schemas.microsoft.com/office/drawing/2010/main">
-                  <a14:imgLayer r:embed="rId3">
-                    <a14:imgEffect>
-                      <a14:saturation sat="0"/>
-                    </a14:imgEffect>
-                  </a14:imgLayer>
-                </a14:imgProps>
-              </a:ext>
-            </a:extLst>
-          </a:blip>
-          <a:srcRect l="20370" r="20370"/>
-          <a:stretch/>
+        <p:blipFill>
+          <a:blip r:embed="rId2"/>
+          <a:stretch>
+            <a:fillRect/>
+          </a:stretch>
         </p:blipFill>
         <p:spPr>
           <a:xfrm>
             <a:off x="0" y="0"/>
-            <a:ext cx="6096000" cy="6867922"/>
-          </a:xfrm>
-          <a:custGeom>
+            <a:ext cx="5015883" cy="6857157"/>
+          </a:xfrm>
+          <a:prstGeom prst="rect">
             <a:avLst/>
-            <a:gdLst>
-              <a:gd name="connsiteX0" fmla="*/ 0 w 6096000"/>
-              <a:gd name="connsiteY0" fmla="*/ 0 h 6858000"/>
-              <a:gd name="connsiteX1" fmla="*/ 6096000 w 6096000"/>
-              <a:gd name="connsiteY1" fmla="*/ 0 h 6858000"/>
-              <a:gd name="connsiteX2" fmla="*/ 6096000 w 6096000"/>
-              <a:gd name="connsiteY2" fmla="*/ 6858000 h 6858000"/>
-              <a:gd name="connsiteX3" fmla="*/ 0 w 6096000"/>
-              <a:gd name="connsiteY3" fmla="*/ 6858000 h 6858000"/>
-              <a:gd name="connsiteX4" fmla="*/ 0 w 6096000"/>
-              <a:gd name="connsiteY4" fmla="*/ 0 h 6858000"/>
-              <a:gd name="connsiteX0" fmla="*/ 0 w 6096000"/>
-              <a:gd name="connsiteY0" fmla="*/ 0 h 6858000"/>
-              <a:gd name="connsiteX1" fmla="*/ 6096000 w 6096000"/>
-              <a:gd name="connsiteY1" fmla="*/ 0 h 6858000"/>
-              <a:gd name="connsiteX2" fmla="*/ 4242487 w 6096000"/>
-              <a:gd name="connsiteY2" fmla="*/ 6833286 h 6858000"/>
-              <a:gd name="connsiteX3" fmla="*/ 0 w 6096000"/>
-              <a:gd name="connsiteY3" fmla="*/ 6858000 h 6858000"/>
-              <a:gd name="connsiteX4" fmla="*/ 0 w 6096000"/>
-              <a:gd name="connsiteY4" fmla="*/ 0 h 6858000"/>
-              <a:gd name="connsiteX0" fmla="*/ 0 w 6096000"/>
-              <a:gd name="connsiteY0" fmla="*/ 0 h 6867922"/>
-              <a:gd name="connsiteX1" fmla="*/ 6096000 w 6096000"/>
-              <a:gd name="connsiteY1" fmla="*/ 0 h 6867922"/>
-              <a:gd name="connsiteX2" fmla="*/ 4228633 w 6096000"/>
-              <a:gd name="connsiteY2" fmla="*/ 6867922 h 6867922"/>
-              <a:gd name="connsiteX3" fmla="*/ 0 w 6096000"/>
-              <a:gd name="connsiteY3" fmla="*/ 6858000 h 6867922"/>
-              <a:gd name="connsiteX4" fmla="*/ 0 w 6096000"/>
-              <a:gd name="connsiteY4" fmla="*/ 0 h 6867922"/>
-            </a:gdLst>
-            <a:ahLst/>
-            <a:cxnLst>
-              <a:cxn ang="0">
-                <a:pos x="connsiteX0" y="connsiteY0"/>
-              </a:cxn>
-              <a:cxn ang="0">
-                <a:pos x="connsiteX1" y="connsiteY1"/>
-              </a:cxn>
-              <a:cxn ang="0">
-                <a:pos x="connsiteX2" y="connsiteY2"/>
-              </a:cxn>
-              <a:cxn ang="0">
-                <a:pos x="connsiteX3" y="connsiteY3"/>
-              </a:cxn>
-              <a:cxn ang="0">
-                <a:pos x="connsiteX4" y="connsiteY4"/>
-              </a:cxn>
-            </a:cxnLst>
-            <a:rect l="l" t="t" r="r" b="b"/>
-            <a:pathLst>
-              <a:path w="6096000" h="6867922">
-                <a:moveTo>
-                  <a:pt x="0" y="0"/>
-                </a:moveTo>
-                <a:lnTo>
-                  <a:pt x="6096000" y="0"/>
-                </a:lnTo>
-                <a:lnTo>
-                  <a:pt x="4228633" y="6867922"/>
-                </a:lnTo>
-                <a:lnTo>
-                  <a:pt x="0" y="6858000"/>
-                </a:lnTo>
-                <a:lnTo>
-                  <a:pt x="0" y="0"/>
-                </a:lnTo>
-                <a:close/>
-              </a:path>
-            </a:pathLst>
-          </a:custGeom>
-          <a:effectLst/>
+          </a:prstGeom>
         </p:spPr>
       </p:pic>
     </p:spTree>
     <p:extLst>
       <p:ext uri="{BB962C8B-B14F-4D97-AF65-F5344CB8AC3E}">
-        <p14:creationId xmlns:p14="http://schemas.microsoft.com/office/powerpoint/2010/main" val="4094892012"/>
+        <p14:creationId xmlns:p14="http://schemas.microsoft.com/office/powerpoint/2010/main" val="828574456"/>
       </p:ext>
     </p:extLst>
   </p:cSld>
@@ -7117,20 +7644,28 @@
         </p:nvSpPr>
         <p:spPr>
           <a:xfrm>
-            <a:off x="6362330" y="411225"/>
-            <a:ext cx="5251450" cy="956373"/>
+            <a:off x="5663953" y="420103"/>
+            <a:ext cx="6329263" cy="956373"/>
           </a:xfrm>
         </p:spPr>
         <p:txBody>
           <a:bodyPr anchor="t">
-            <a:normAutofit/>
+            <a:normAutofit fontScale="90000"/>
           </a:bodyPr>
           <a:lstStyle/>
           <a:p>
             <a:r>
               <a:rPr lang="en-US" sz="4800" dirty="0"/>
-              <a:t>Landing page</a:t>
-            </a:r>
+              <a:t>Gui Screenshot</a:t>
+            </a:r>
+            <a:br>
+              <a:rPr lang="en-US" sz="4800" dirty="0"/>
+            </a:br>
+            <a:r>
+              <a:rPr lang="en-US" sz="4400" dirty="0"/>
+              <a:t>- upload image (home)</a:t>
+            </a:r>
+            <a:endParaRPr lang="en-US" sz="4600" dirty="0"/>
           </a:p>
         </p:txBody>
       </p:sp>
@@ -7152,8 +7687,8 @@
         </p:nvSpPr>
         <p:spPr>
           <a:xfrm>
-            <a:off x="6362330" y="2025552"/>
-            <a:ext cx="5829669" cy="365125"/>
+            <a:off x="5663954" y="2025552"/>
+            <a:ext cx="6528046" cy="365125"/>
           </a:xfrm>
         </p:spPr>
         <p:txBody>
@@ -7212,8 +7747,8 @@
         </p:nvSpPr>
         <p:spPr>
           <a:xfrm>
-            <a:off x="6362330" y="2574543"/>
-            <a:ext cx="4646246" cy="3038482"/>
+            <a:off x="5663954" y="2547910"/>
+            <a:ext cx="6329263" cy="3038482"/>
           </a:xfrm>
           <a:prstGeom prst="rect">
             <a:avLst/>
@@ -7222,7 +7757,7 @@
         </p:spPr>
         <p:txBody>
           <a:bodyPr vert="horz" lIns="91440" tIns="45720" rIns="91440" bIns="45720" rtlCol="0" anchor="t">
-            <a:normAutofit lnSpcReduction="10000"/>
+            <a:normAutofit fontScale="92500" lnSpcReduction="20000"/>
           </a:bodyPr>
           <a:lstStyle>
             <a:defPPr>
@@ -7382,71 +7917,170 @@
             </a:lvl9pPr>
           </a:lstStyle>
           <a:p>
-            <a:pPr marL="342900" indent="-342900">
+            <a:pPr>
               <a:spcAft>
                 <a:spcPts val="1200"/>
               </a:spcAft>
+            </a:pPr>
+            <a:r>
+              <a:rPr lang="en-US" sz="2400" dirty="0"/>
+              <a:t>When a pet owner IS logged in, this is the home page.</a:t>
+            </a:r>
+            <a:endParaRPr lang="en-US" dirty="0"/>
+          </a:p>
+          <a:p>
+            <a:r>
+              <a:rPr lang="en-US" dirty="0"/>
+              <a:t>Navigation bar links:</a:t>
+            </a:r>
+          </a:p>
+          <a:p>
+            <a:pPr marL="342900" indent="-342900">
               <a:buFont typeface="Arial" panose="020B0604020202020204" pitchFamily="34" charset="0"/>
               <a:buChar char="•"/>
             </a:pPr>
             <a:r>
               <a:rPr lang="en-US" dirty="0"/>
-              <a:t>The first page seen if the domain was www.petnamer.com</a:t>
+              <a:t>Home </a:t>
+            </a:r>
+            <a:r>
+              <a:rPr lang="en-US" dirty="0">
+                <a:solidFill>
+                  <a:schemeClr val="tx1">
+                    <a:lumMod val="50000"/>
+                    <a:lumOff val="50000"/>
+                  </a:schemeClr>
+                </a:solidFill>
+              </a:rPr>
+              <a:t>(landing page)</a:t>
             </a:r>
           </a:p>
           <a:p>
             <a:pPr marL="342900" indent="-342900">
-              <a:spcAft>
-                <a:spcPts val="1200"/>
-              </a:spcAft>
               <a:buFont typeface="Arial" panose="020B0604020202020204" pitchFamily="34" charset="0"/>
               <a:buChar char="•"/>
             </a:pPr>
             <a:r>
               <a:rPr lang="en-US" dirty="0"/>
-              <a:t>Greeted by adorable animals</a:t>
+              <a:t>Logout </a:t>
+            </a:r>
+            <a:r>
+              <a:rPr lang="en-US" dirty="0">
+                <a:solidFill>
+                  <a:schemeClr val="tx1">
+                    <a:lumMod val="50000"/>
+                    <a:lumOff val="50000"/>
+                  </a:schemeClr>
+                </a:solidFill>
+              </a:rPr>
+              <a:t>(returns to the landing page)</a:t>
+            </a:r>
+          </a:p>
+          <a:p>
+            <a:endParaRPr lang="en-US" dirty="0">
+              <a:solidFill>
+                <a:schemeClr val="tx1">
+                  <a:lumMod val="50000"/>
+                  <a:lumOff val="50000"/>
+                </a:schemeClr>
+              </a:solidFill>
+            </a:endParaRPr>
+          </a:p>
+          <a:p>
+            <a:r>
+              <a:rPr lang="en-US" dirty="0">
+                <a:solidFill>
+                  <a:schemeClr val="tx1"/>
+                </a:solidFill>
+              </a:rPr>
+              <a:t>Page links:</a:t>
             </a:r>
           </a:p>
           <a:p>
             <a:pPr marL="342900" indent="-342900">
-              <a:spcAft>
-                <a:spcPts val="1200"/>
-              </a:spcAft>
               <a:buFont typeface="Arial" panose="020B0604020202020204" pitchFamily="34" charset="0"/>
               <a:buChar char="•"/>
             </a:pPr>
             <a:r>
+              <a:rPr lang="en-US" dirty="0"/>
+              <a:t>Choose File </a:t>
+            </a:r>
+            <a:r>
               <a:rPr lang="en-US" dirty="0">
                 <a:solidFill>
-                  <a:srgbClr val="FF0000"/>
+                  <a:schemeClr val="tx1">
+                    <a:lumMod val="50000"/>
+                    <a:lumOff val="50000"/>
+                  </a:schemeClr>
                 </a:solidFill>
               </a:rPr>
-              <a:t>Get started </a:t>
-            </a:r>
-            <a:r>
-              <a:rPr lang="en-US" dirty="0"/>
-              <a:t>takes you to the login/account creation screen</a:t>
+              <a:t>(opens local file system)</a:t>
             </a:r>
           </a:p>
           <a:p>
             <a:pPr marL="342900" indent="-342900">
-              <a:spcAft>
-                <a:spcPts val="1200"/>
-              </a:spcAft>
               <a:buFont typeface="Arial" panose="020B0604020202020204" pitchFamily="34" charset="0"/>
               <a:buChar char="•"/>
             </a:pPr>
             <a:r>
               <a:rPr lang="en-US" dirty="0"/>
-              <a:t>Logo created by Carl</a:t>
-            </a:r>
-          </a:p>
-        </p:txBody>
-      </p:sp>
+              <a:t>Upload </a:t>
+            </a:r>
+            <a:r>
+              <a:rPr lang="en-US" dirty="0">
+                <a:solidFill>
+                  <a:schemeClr val="tx1">
+                    <a:lumMod val="50000"/>
+                    <a:lumOff val="50000"/>
+                  </a:schemeClr>
+                </a:solidFill>
+              </a:rPr>
+              <a:t>(uploads file after one is selected)</a:t>
+            </a:r>
+          </a:p>
+          <a:p>
+            <a:pPr marL="342900" indent="-342900">
+              <a:buFont typeface="Arial" panose="020B0604020202020204" pitchFamily="34" charset="0"/>
+              <a:buChar char="•"/>
+            </a:pPr>
+            <a:endParaRPr lang="en-US" dirty="0"/>
+          </a:p>
+        </p:txBody>
+      </p:sp>
+      <p:pic>
+        <p:nvPicPr>
+          <p:cNvPr id="8" name="Picture 7">
+            <a:extLst>
+              <a:ext uri="{FF2B5EF4-FFF2-40B4-BE49-F238E27FC236}">
+                <a16:creationId xmlns:a16="http://schemas.microsoft.com/office/drawing/2014/main" id="{56A271B5-3873-DB9B-01A4-7CE3DB686DD8}"/>
+              </a:ext>
+            </a:extLst>
+          </p:cNvPr>
+          <p:cNvPicPr>
+            <a:picLocks noChangeAspect="1"/>
+          </p:cNvPicPr>
+          <p:nvPr/>
+        </p:nvPicPr>
+        <p:blipFill>
+          <a:blip r:embed="rId2"/>
+          <a:stretch>
+            <a:fillRect/>
+          </a:stretch>
+        </p:blipFill>
+        <p:spPr>
+          <a:xfrm>
+            <a:off x="976544" y="0"/>
+            <a:ext cx="3159748" cy="6858000"/>
+          </a:xfrm>
+          <a:prstGeom prst="rect">
+            <a:avLst/>
+          </a:prstGeom>
+        </p:spPr>
+      </p:pic>
     </p:spTree>
     <p:extLst>
       <p:ext uri="{BB962C8B-B14F-4D97-AF65-F5344CB8AC3E}">
-        <p14:creationId xmlns:p14="http://schemas.microsoft.com/office/powerpoint/2010/main" val="1709041580"/>
+        <p14:creationId xmlns:p14="http://schemas.microsoft.com/office/powerpoint/2010/main" val="1526137917"/>
       </p:ext>
     </p:extLst>
   </p:cSld>
@@ -7491,27 +8125,28 @@
         </p:nvSpPr>
         <p:spPr>
           <a:xfrm>
-            <a:off x="6439542" y="499060"/>
-            <a:ext cx="5675243" cy="956373"/>
+            <a:off x="5663953" y="420103"/>
+            <a:ext cx="6528046" cy="956373"/>
           </a:xfrm>
         </p:spPr>
         <p:txBody>
           <a:bodyPr anchor="t">
-            <a:noAutofit/>
+            <a:normAutofit fontScale="90000"/>
           </a:bodyPr>
           <a:lstStyle/>
           <a:p>
             <a:r>
-              <a:rPr lang="en-US" sz="4600" dirty="0"/>
-              <a:t>LOGIN page/</a:t>
+              <a:rPr lang="en-US" sz="4800" dirty="0"/>
+              <a:t>Gui Screenshot</a:t>
             </a:r>
             <a:br>
-              <a:rPr lang="en-US" sz="4600" dirty="0"/>
+              <a:rPr lang="en-US" sz="4800" dirty="0"/>
             </a:br>
             <a:r>
-              <a:rPr lang="en-US" sz="4600" dirty="0"/>
-              <a:t>account creation</a:t>
-            </a:r>
+              <a:rPr lang="en-US" sz="4400" dirty="0"/>
+              <a:t>- Pet name suggestions</a:t>
+            </a:r>
+            <a:endParaRPr lang="en-US" sz="4600" dirty="0"/>
           </a:p>
         </p:txBody>
       </p:sp>
@@ -7533,8 +8168,8 @@
         </p:nvSpPr>
         <p:spPr>
           <a:xfrm>
-            <a:off x="6362330" y="2025552"/>
-            <a:ext cx="5829669" cy="365125"/>
+            <a:off x="5663954" y="2025552"/>
+            <a:ext cx="6528046" cy="365125"/>
           </a:xfrm>
         </p:spPr>
         <p:txBody>
@@ -7593,8 +8228,8 @@
         </p:nvSpPr>
         <p:spPr>
           <a:xfrm>
-            <a:off x="6362330" y="2574543"/>
-            <a:ext cx="4646246" cy="3038482"/>
+            <a:off x="5663954" y="2547910"/>
+            <a:ext cx="6329263" cy="3038482"/>
           </a:xfrm>
           <a:prstGeom prst="rect">
             <a:avLst/>
@@ -7763,70 +8398,106 @@
             </a:lvl9pPr>
           </a:lstStyle>
           <a:p>
+            <a:r>
+              <a:rPr lang="en-US" dirty="0"/>
+              <a:t>Navigation bar links:</a:t>
+            </a:r>
+          </a:p>
+          <a:p>
             <a:pPr marL="342900" indent="-342900">
-              <a:spcBef>
-                <a:spcPts val="0"/>
-              </a:spcBef>
-              <a:spcAft>
-                <a:spcPts val="1200"/>
-              </a:spcAft>
               <a:buFont typeface="Arial" panose="020B0604020202020204" pitchFamily="34" charset="0"/>
               <a:buChar char="•"/>
             </a:pPr>
             <a:r>
-              <a:rPr lang="en-US" sz="2400" dirty="0"/>
-              <a:t>In order to receive pet name suggestions a pet owner will need to create an </a:t>
-            </a:r>
-            <a:r>
-              <a:rPr lang="en-US" sz="2600" dirty="0"/>
-              <a:t>account</a:t>
-            </a:r>
-            <a:r>
-              <a:rPr lang="en-US" sz="2400" dirty="0"/>
-              <a:t> and log in</a:t>
+              <a:rPr lang="en-US" dirty="0"/>
+              <a:t>Home </a:t>
+            </a:r>
+            <a:r>
+              <a:rPr lang="en-US" dirty="0">
+                <a:solidFill>
+                  <a:schemeClr val="tx1">
+                    <a:lumMod val="50000"/>
+                    <a:lumOff val="50000"/>
+                  </a:schemeClr>
+                </a:solidFill>
+              </a:rPr>
+              <a:t>(landing page)</a:t>
             </a:r>
           </a:p>
           <a:p>
             <a:pPr marL="342900" indent="-342900">
-              <a:spcBef>
-                <a:spcPts val="0"/>
-              </a:spcBef>
-              <a:spcAft>
-                <a:spcPts val="1200"/>
-              </a:spcAft>
               <a:buFont typeface="Arial" panose="020B0604020202020204" pitchFamily="34" charset="0"/>
               <a:buChar char="•"/>
             </a:pPr>
             <a:r>
-              <a:rPr lang="en-US" sz="2400" dirty="0">
-                <a:solidFill>
-                  <a:srgbClr val="FF0000"/>
+              <a:rPr lang="en-US" dirty="0"/>
+              <a:t>Logout </a:t>
+            </a:r>
+            <a:r>
+              <a:rPr lang="en-US" dirty="0">
+                <a:solidFill>
+                  <a:schemeClr val="tx1">
+                    <a:lumMod val="50000"/>
+                    <a:lumOff val="50000"/>
+                  </a:schemeClr>
                 </a:solidFill>
               </a:rPr>
-              <a:t>An account is required to create an account to use </a:t>
-            </a:r>
-            <a:r>
-              <a:rPr lang="en-US" sz="2400" dirty="0" err="1">
-                <a:solidFill>
-                  <a:srgbClr val="FF0000"/>
-                </a:solidFill>
-              </a:rPr>
-              <a:t>PetNamer</a:t>
-            </a:r>
-            <a:endParaRPr lang="en-US" sz="2400" dirty="0">
+              <a:t>(returns to the landing page)</a:t>
+            </a:r>
+          </a:p>
+          <a:p>
+            <a:endParaRPr lang="en-US" dirty="0">
               <a:solidFill>
-                <a:srgbClr val="FF0000"/>
+                <a:schemeClr val="tx1">
+                  <a:lumMod val="50000"/>
+                  <a:lumOff val="50000"/>
+                </a:schemeClr>
               </a:solidFill>
             </a:endParaRPr>
           </a:p>
+          <a:p>
+            <a:r>
+              <a:rPr lang="en-US" dirty="0">
+                <a:solidFill>
+                  <a:schemeClr val="tx1"/>
+                </a:solidFill>
+              </a:rPr>
+              <a:t>Page links:</a:t>
+            </a:r>
+          </a:p>
+          <a:p>
+            <a:pPr marL="342900" indent="-342900">
+              <a:buFont typeface="Arial" panose="020B0604020202020204" pitchFamily="34" charset="0"/>
+              <a:buChar char="•"/>
+            </a:pPr>
+            <a:r>
+              <a:rPr lang="en-US" dirty="0"/>
+              <a:t>None</a:t>
+            </a:r>
+            <a:endParaRPr lang="en-US" dirty="0">
+              <a:solidFill>
+                <a:schemeClr val="tx1">
+                  <a:lumMod val="50000"/>
+                  <a:lumOff val="50000"/>
+                </a:schemeClr>
+              </a:solidFill>
+            </a:endParaRPr>
+          </a:p>
+          <a:p>
+            <a:pPr marL="342900" indent="-342900">
+              <a:buFont typeface="Arial" panose="020B0604020202020204" pitchFamily="34" charset="0"/>
+              <a:buChar char="•"/>
+            </a:pPr>
+            <a:endParaRPr lang="en-US" dirty="0"/>
+          </a:p>
         </p:txBody>
       </p:sp>
       <p:pic>
         <p:nvPicPr>
-          <p:cNvPr id="4" name="Picture Placeholder 2" descr="A computer screen shot of a computer screen&#10;&#10;Description automatically generated">
-            <a:extLst>
-              <a:ext uri="{FF2B5EF4-FFF2-40B4-BE49-F238E27FC236}">
-                <a16:creationId xmlns:a16="http://schemas.microsoft.com/office/drawing/2014/main" id="{23120B7D-A1BE-B450-47CD-859375CA1CB2}"/>
+          <p:cNvPr id="7" name="Picture 6">
+            <a:extLst>
+              <a:ext uri="{FF2B5EF4-FFF2-40B4-BE49-F238E27FC236}">
+                <a16:creationId xmlns:a16="http://schemas.microsoft.com/office/drawing/2014/main" id="{6B55EE53-423A-3494-179D-22CE1F8CF9DA}"/>
               </a:ext>
             </a:extLst>
           </p:cNvPr>
@@ -7836,24 +8507,15 @@
           <p:nvPr/>
         </p:nvPicPr>
         <p:blipFill>
-          <a:blip r:embed="rId2">
-            <a:duotone>
-              <a:prstClr val="black"/>
-              <a:schemeClr val="accent1">
-                <a:tint val="45000"/>
-                <a:satMod val="400000"/>
-              </a:schemeClr>
-            </a:duotone>
-          </a:blip>
-          <a:srcRect l="27786" r="27786"/>
+          <a:blip r:embed="rId2"/>
           <a:stretch>
             <a:fillRect/>
           </a:stretch>
         </p:blipFill>
         <p:spPr>
           <a:xfrm>
-            <a:off x="0" y="0"/>
-            <a:ext cx="5416550" cy="6858000"/>
+            <a:off x="1131699" y="0"/>
+            <a:ext cx="2915248" cy="6858000"/>
           </a:xfrm>
           <a:prstGeom prst="rect">
             <a:avLst/>
@@ -7863,7 +8525,7 @@
     </p:spTree>
     <p:extLst>
       <p:ext uri="{BB962C8B-B14F-4D97-AF65-F5344CB8AC3E}">
-        <p14:creationId xmlns:p14="http://schemas.microsoft.com/office/powerpoint/2010/main" val="3777066757"/>
+        <p14:creationId xmlns:p14="http://schemas.microsoft.com/office/powerpoint/2010/main" val="4166527319"/>
       </p:ext>
     </p:extLst>
   </p:cSld>
@@ -7890,12 +8552,37 @@
           <a:chExt cx="0" cy="0"/>
         </a:xfrm>
       </p:grpSpPr>
+      <p:pic>
+        <p:nvPicPr>
+          <p:cNvPr id="8" name="Picture Placeholder 7">
+            <a:extLst>
+              <a:ext uri="{FF2B5EF4-FFF2-40B4-BE49-F238E27FC236}">
+                <a16:creationId xmlns:a16="http://schemas.microsoft.com/office/drawing/2014/main" id="{7F25418B-76F9-2750-A688-AC6FBC404A7D}"/>
+              </a:ext>
+            </a:extLst>
+          </p:cNvPr>
+          <p:cNvPicPr>
+            <a:picLocks noGrp="1" noChangeAspect="1"/>
+          </p:cNvPicPr>
+          <p:nvPr>
+            <p:ph type="pic" sz="quarter" idx="13"/>
+          </p:nvPr>
+        </p:nvPicPr>
+        <p:blipFill>
+          <a:blip r:embed="rId2"/>
+          <a:srcRect l="27747" r="27747"/>
+          <a:stretch>
+            <a:fillRect/>
+          </a:stretch>
+        </p:blipFill>
+        <p:spPr/>
+      </p:pic>
       <p:sp>
         <p:nvSpPr>
           <p:cNvPr id="3" name="Title 2">
             <a:extLst>
               <a:ext uri="{FF2B5EF4-FFF2-40B4-BE49-F238E27FC236}">
-                <a16:creationId xmlns:a16="http://schemas.microsoft.com/office/drawing/2014/main" id="{1D24B42B-925B-494C-A986-BD85E8117E1E}"/>
+                <a16:creationId xmlns:a16="http://schemas.microsoft.com/office/drawing/2014/main" id="{A88E6E22-651F-50F0-F9E2-190A7CD517D6}"/>
               </a:ext>
             </a:extLst>
           </p:cNvPr>
@@ -7908,43 +8595,8 @@
         </p:nvSpPr>
         <p:spPr>
           <a:xfrm>
-            <a:off x="6362330" y="411225"/>
-            <a:ext cx="5474070" cy="956373"/>
-          </a:xfrm>
-        </p:spPr>
-        <p:txBody>
-          <a:bodyPr anchor="t">
-            <a:noAutofit/>
-          </a:bodyPr>
-          <a:lstStyle/>
-          <a:p>
-            <a:r>
-              <a:rPr lang="en-US" sz="4600" dirty="0"/>
-              <a:t>Upload a picture of your pet</a:t>
-            </a:r>
-          </a:p>
-        </p:txBody>
-      </p:sp>
-      <p:sp>
-        <p:nvSpPr>
-          <p:cNvPr id="5" name="Text Placeholder 4">
-            <a:extLst>
-              <a:ext uri="{FF2B5EF4-FFF2-40B4-BE49-F238E27FC236}">
-                <a16:creationId xmlns:a16="http://schemas.microsoft.com/office/drawing/2014/main" id="{AF9B872F-6332-408E-9135-B871F0C90C00}"/>
-              </a:ext>
-            </a:extLst>
-          </p:cNvPr>
-          <p:cNvSpPr>
-            <a:spLocks noGrp="1"/>
-          </p:cNvSpPr>
-          <p:nvPr>
-            <p:ph type="body" idx="1"/>
-          </p:nvPr>
-        </p:nvSpPr>
-        <p:spPr>
-          <a:xfrm>
-            <a:off x="6362330" y="2025552"/>
-            <a:ext cx="5829669" cy="365125"/>
+            <a:off x="6096000" y="966731"/>
+            <a:ext cx="5251450" cy="1661297"/>
           </a:xfrm>
         </p:spPr>
         <p:txBody>
@@ -7952,18 +8604,51 @@
           <a:lstStyle/>
           <a:p>
             <a:r>
-              <a:rPr lang="en-US" spc="300" dirty="0"/>
-              <a:t> </a:t>
-            </a:r>
-          </a:p>
-        </p:txBody>
-      </p:sp>
-      <p:sp>
-        <p:nvSpPr>
-          <p:cNvPr id="2" name="Slide Number Placeholder 1">
-            <a:extLst>
-              <a:ext uri="{FF2B5EF4-FFF2-40B4-BE49-F238E27FC236}">
-                <a16:creationId xmlns:a16="http://schemas.microsoft.com/office/drawing/2014/main" id="{948DD8A0-BD53-4DBF-949B-0D64D12DADA9}"/>
+              <a:rPr lang="en-US" dirty="0"/>
+              <a:t>Test case #1</a:t>
+            </a:r>
+          </a:p>
+        </p:txBody>
+      </p:sp>
+      <p:sp>
+        <p:nvSpPr>
+          <p:cNvPr id="4" name="Text Placeholder 3">
+            <a:extLst>
+              <a:ext uri="{FF2B5EF4-FFF2-40B4-BE49-F238E27FC236}">
+                <a16:creationId xmlns:a16="http://schemas.microsoft.com/office/drawing/2014/main" id="{22C3F3AA-A4DE-AA4E-CCA3-79820E58ECB8}"/>
+              </a:ext>
+            </a:extLst>
+          </p:cNvPr>
+          <p:cNvSpPr>
+            <a:spLocks noGrp="1"/>
+          </p:cNvSpPr>
+          <p:nvPr>
+            <p:ph type="body" idx="1"/>
+          </p:nvPr>
+        </p:nvSpPr>
+        <p:spPr>
+          <a:xfrm>
+            <a:off x="6096000" y="3081994"/>
+            <a:ext cx="5251450" cy="365125"/>
+          </a:xfrm>
+        </p:spPr>
+        <p:txBody>
+          <a:bodyPr/>
+          <a:lstStyle/>
+          <a:p>
+            <a:r>
+              <a:rPr lang="en-US" dirty="0"/>
+              <a:t>human &amp; Dog</a:t>
+            </a:r>
+          </a:p>
+        </p:txBody>
+      </p:sp>
+      <p:sp>
+        <p:nvSpPr>
+          <p:cNvPr id="5" name="Slide Number Placeholder 4">
+            <a:extLst>
+              <a:ext uri="{FF2B5EF4-FFF2-40B4-BE49-F238E27FC236}">
+                <a16:creationId xmlns:a16="http://schemas.microsoft.com/office/drawing/2014/main" id="{9CF7BD37-D9F9-688C-CB5C-0D2175EDE1B8}"/>
               </a:ext>
             </a:extLst>
           </p:cNvPr>
@@ -7992,7 +8677,7 @@
           <p:cNvPr id="6" name="Content Placeholder 8">
             <a:extLst>
               <a:ext uri="{FF2B5EF4-FFF2-40B4-BE49-F238E27FC236}">
-                <a16:creationId xmlns:a16="http://schemas.microsoft.com/office/drawing/2014/main" id="{3B4F2E0F-78BC-2FE8-4808-2A26179B55EA}"/>
+                <a16:creationId xmlns:a16="http://schemas.microsoft.com/office/drawing/2014/main" id="{E14C8B7C-5374-9F15-7E64-6002257A2D5E}"/>
               </a:ext>
             </a:extLst>
           </p:cNvPr>
@@ -8003,8 +8688,8 @@
         </p:nvSpPr>
         <p:spPr>
           <a:xfrm>
-            <a:off x="6362330" y="2574543"/>
-            <a:ext cx="4646246" cy="3038482"/>
+            <a:off x="6096000" y="3593221"/>
+            <a:ext cx="5569258" cy="2961488"/>
           </a:xfrm>
           <a:prstGeom prst="rect">
             <a:avLst/>
@@ -8013,7 +8698,7 @@
         </p:spPr>
         <p:txBody>
           <a:bodyPr vert="horz" lIns="91440" tIns="45720" rIns="91440" bIns="45720" rtlCol="0" anchor="t">
-            <a:normAutofit fontScale="92500" lnSpcReduction="10000"/>
+            <a:noAutofit/>
           </a:bodyPr>
           <a:lstStyle>
             <a:defPPr>
@@ -8173,80 +8858,78 @@
             </a:lvl9pPr>
           </a:lstStyle>
           <a:p>
-            <a:pPr marL="342900" indent="-342900">
+            <a:pPr marL="0" marR="0" indent="0">
+              <a:lnSpc>
+                <a:spcPct val="100000"/>
+              </a:lnSpc>
+              <a:spcBef>
+                <a:spcPts val="0"/>
+              </a:spcBef>
               <a:spcAft>
                 <a:spcPts val="1200"/>
               </a:spcAft>
-              <a:buFont typeface="Arial" panose="020B0604020202020204" pitchFamily="34" charset="0"/>
-              <a:buChar char="•"/>
             </a:pPr>
             <a:r>
-              <a:rPr lang="en-US" dirty="0"/>
-              <a:t>The pet owner will click on choose file</a:t>
-            </a:r>
-          </a:p>
-          <a:p>
-            <a:pPr marL="342900" indent="-342900">
+              <a:rPr lang="en-US" sz="1800" dirty="0"/>
+              <a:t>When uploading a picture of a person holding a dog, what will the program return?</a:t>
+            </a:r>
+          </a:p>
+          <a:p>
+            <a:pPr marL="0" marR="0" indent="0">
+              <a:lnSpc>
+                <a:spcPct val="100000"/>
+              </a:lnSpc>
+              <a:spcBef>
+                <a:spcPts val="0"/>
+              </a:spcBef>
               <a:spcAft>
                 <a:spcPts val="1200"/>
               </a:spcAft>
-              <a:buFont typeface="Arial" panose="020B0604020202020204" pitchFamily="34" charset="0"/>
-              <a:buChar char="•"/>
             </a:pPr>
             <a:r>
-              <a:rPr lang="en-US" dirty="0"/>
-              <a:t>They will then need to upload a picture they have already taken and saved</a:t>
-            </a:r>
-          </a:p>
-          <a:p>
-            <a:pPr marL="342900" indent="-342900">
+              <a:rPr lang="en-US" sz="1800" dirty="0"/>
+              <a:t>Expected Result: Names will be returned correlating to the dog species. All other items recognized in photo will be ignored.</a:t>
+            </a:r>
+          </a:p>
+          <a:p>
+            <a:pPr>
+              <a:lnSpc>
+                <a:spcPct val="100000"/>
+              </a:lnSpc>
               <a:spcAft>
                 <a:spcPts val="1200"/>
               </a:spcAft>
-              <a:buFont typeface="Arial" panose="020B0604020202020204" pitchFamily="34" charset="0"/>
-              <a:buChar char="•"/>
             </a:pPr>
             <a:r>
-              <a:rPr lang="en-US" dirty="0"/>
-              <a:t>In this screen shot Adria has uploaded a picture of her cat</a:t>
-            </a:r>
-          </a:p>
-        </p:txBody>
-      </p:sp>
-      <p:pic>
-        <p:nvPicPr>
-          <p:cNvPr id="11" name="Picture 10">
-            <a:extLst>
-              <a:ext uri="{FF2B5EF4-FFF2-40B4-BE49-F238E27FC236}">
-                <a16:creationId xmlns:a16="http://schemas.microsoft.com/office/drawing/2014/main" id="{797F0AB9-DBE7-9855-21AC-660317A4D50C}"/>
-              </a:ext>
-            </a:extLst>
-          </p:cNvPr>
-          <p:cNvPicPr>
-            <a:picLocks noChangeAspect="1"/>
-          </p:cNvPicPr>
-          <p:nvPr/>
-        </p:nvPicPr>
-        <p:blipFill>
-          <a:blip r:embed="rId2"/>
-          <a:stretch>
-            <a:fillRect/>
-          </a:stretch>
-        </p:blipFill>
-        <p:spPr>
-          <a:xfrm>
-            <a:off x="-1" y="-1"/>
-            <a:ext cx="4927601" cy="6863047"/>
-          </a:xfrm>
-          <a:prstGeom prst="rect">
-            <a:avLst/>
-          </a:prstGeom>
-        </p:spPr>
-      </p:pic>
+              <a:rPr lang="en-US" sz="1800" dirty="0"/>
+              <a:t>Result: As expected.</a:t>
+            </a:r>
+          </a:p>
+          <a:p>
+            <a:pPr>
+              <a:lnSpc>
+                <a:spcPct val="100000"/>
+              </a:lnSpc>
+            </a:pPr>
+            <a:r>
+              <a:rPr lang="en-US" sz="1800" dirty="0"/>
+              <a:t>Potential Improvements: Remove quotation marks from name outputs and species output. </a:t>
+            </a:r>
+          </a:p>
+          <a:p>
+            <a:pPr>
+              <a:lnSpc>
+                <a:spcPct val="100000"/>
+              </a:lnSpc>
+            </a:pPr>
+            <a:endParaRPr lang="en-US" sz="1800" dirty="0"/>
+          </a:p>
+        </p:txBody>
+      </p:sp>
     </p:spTree>
     <p:extLst>
       <p:ext uri="{BB962C8B-B14F-4D97-AF65-F5344CB8AC3E}">
-        <p14:creationId xmlns:p14="http://schemas.microsoft.com/office/powerpoint/2010/main" val="2433774987"/>
+        <p14:creationId xmlns:p14="http://schemas.microsoft.com/office/powerpoint/2010/main" val="3843983864"/>
       </p:ext>
     </p:extLst>
   </p:cSld>
@@ -8273,12 +8956,40 @@
           <a:chExt cx="0" cy="0"/>
         </a:xfrm>
       </p:grpSpPr>
+      <p:pic>
+        <p:nvPicPr>
+          <p:cNvPr id="8" name="Picture Placeholder 7">
+            <a:extLst>
+              <a:ext uri="{FF2B5EF4-FFF2-40B4-BE49-F238E27FC236}">
+                <a16:creationId xmlns:a16="http://schemas.microsoft.com/office/drawing/2014/main" id="{7F25418B-76F9-2750-A688-AC6FBC404A7D}"/>
+              </a:ext>
+            </a:extLst>
+          </p:cNvPr>
+          <p:cNvPicPr>
+            <a:picLocks noGrp="1" noChangeAspect="1"/>
+          </p:cNvPicPr>
+          <p:nvPr>
+            <p:ph type="pic" sz="quarter" idx="13"/>
+          </p:nvPr>
+        </p:nvPicPr>
+        <p:blipFill rotWithShape="1">
+          <a:blip r:embed="rId2"/>
+          <a:srcRect l="15577" t="2063" r="15577" b="2566"/>
+          <a:stretch/>
+        </p:blipFill>
+        <p:spPr>
+          <a:xfrm>
+            <a:off x="0" y="1"/>
+            <a:ext cx="6382688" cy="6858000"/>
+          </a:xfrm>
+        </p:spPr>
+      </p:pic>
       <p:sp>
         <p:nvSpPr>
           <p:cNvPr id="3" name="Title 2">
             <a:extLst>
               <a:ext uri="{FF2B5EF4-FFF2-40B4-BE49-F238E27FC236}">
-                <a16:creationId xmlns:a16="http://schemas.microsoft.com/office/drawing/2014/main" id="{1D24B42B-925B-494C-A986-BD85E8117E1E}"/>
+                <a16:creationId xmlns:a16="http://schemas.microsoft.com/office/drawing/2014/main" id="{A88E6E22-651F-50F0-F9E2-190A7CD517D6}"/>
               </a:ext>
             </a:extLst>
           </p:cNvPr>
@@ -8291,43 +9002,8 @@
         </p:nvSpPr>
         <p:spPr>
           <a:xfrm>
-            <a:off x="6362330" y="411225"/>
-            <a:ext cx="5474070" cy="956373"/>
-          </a:xfrm>
-        </p:spPr>
-        <p:txBody>
-          <a:bodyPr anchor="t">
-            <a:normAutofit fontScale="90000"/>
-          </a:bodyPr>
-          <a:lstStyle/>
-          <a:p>
-            <a:r>
-              <a:rPr lang="en-US" sz="4800" dirty="0"/>
-              <a:t>Image Recognition</a:t>
-            </a:r>
-          </a:p>
-        </p:txBody>
-      </p:sp>
-      <p:sp>
-        <p:nvSpPr>
-          <p:cNvPr id="5" name="Text Placeholder 4">
-            <a:extLst>
-              <a:ext uri="{FF2B5EF4-FFF2-40B4-BE49-F238E27FC236}">
-                <a16:creationId xmlns:a16="http://schemas.microsoft.com/office/drawing/2014/main" id="{AF9B872F-6332-408E-9135-B871F0C90C00}"/>
-              </a:ext>
-            </a:extLst>
-          </p:cNvPr>
-          <p:cNvSpPr>
-            <a:spLocks noGrp="1"/>
-          </p:cNvSpPr>
-          <p:nvPr>
-            <p:ph type="body" idx="1"/>
-          </p:nvPr>
-        </p:nvSpPr>
-        <p:spPr>
-          <a:xfrm>
-            <a:off x="6362330" y="2025552"/>
-            <a:ext cx="5829669" cy="365125"/>
+            <a:off x="6096000" y="966731"/>
+            <a:ext cx="5251450" cy="1661297"/>
           </a:xfrm>
         </p:spPr>
         <p:txBody>
@@ -8335,18 +9011,51 @@
           <a:lstStyle/>
           <a:p>
             <a:r>
-              <a:rPr lang="en-US" spc="300" dirty="0"/>
-              <a:t> </a:t>
-            </a:r>
-          </a:p>
-        </p:txBody>
-      </p:sp>
-      <p:sp>
-        <p:nvSpPr>
-          <p:cNvPr id="2" name="Slide Number Placeholder 1">
-            <a:extLst>
-              <a:ext uri="{FF2B5EF4-FFF2-40B4-BE49-F238E27FC236}">
-                <a16:creationId xmlns:a16="http://schemas.microsoft.com/office/drawing/2014/main" id="{948DD8A0-BD53-4DBF-949B-0D64D12DADA9}"/>
+              <a:rPr lang="en-US" dirty="0"/>
+              <a:t>Test case #2</a:t>
+            </a:r>
+          </a:p>
+        </p:txBody>
+      </p:sp>
+      <p:sp>
+        <p:nvSpPr>
+          <p:cNvPr id="4" name="Text Placeholder 3">
+            <a:extLst>
+              <a:ext uri="{FF2B5EF4-FFF2-40B4-BE49-F238E27FC236}">
+                <a16:creationId xmlns:a16="http://schemas.microsoft.com/office/drawing/2014/main" id="{22C3F3AA-A4DE-AA4E-CCA3-79820E58ECB8}"/>
+              </a:ext>
+            </a:extLst>
+          </p:cNvPr>
+          <p:cNvSpPr>
+            <a:spLocks noGrp="1"/>
+          </p:cNvSpPr>
+          <p:nvPr>
+            <p:ph type="body" idx="1"/>
+          </p:nvPr>
+        </p:nvSpPr>
+        <p:spPr>
+          <a:xfrm>
+            <a:off x="6096000" y="3081994"/>
+            <a:ext cx="5251450" cy="365125"/>
+          </a:xfrm>
+        </p:spPr>
+        <p:txBody>
+          <a:bodyPr/>
+          <a:lstStyle/>
+          <a:p>
+            <a:r>
+              <a:rPr lang="en-US" dirty="0"/>
+              <a:t>cat &amp; Dog</a:t>
+            </a:r>
+          </a:p>
+        </p:txBody>
+      </p:sp>
+      <p:sp>
+        <p:nvSpPr>
+          <p:cNvPr id="5" name="Slide Number Placeholder 4">
+            <a:extLst>
+              <a:ext uri="{FF2B5EF4-FFF2-40B4-BE49-F238E27FC236}">
+                <a16:creationId xmlns:a16="http://schemas.microsoft.com/office/drawing/2014/main" id="{9CF7BD37-D9F9-688C-CB5C-0D2175EDE1B8}"/>
               </a:ext>
             </a:extLst>
           </p:cNvPr>
@@ -8375,7 +9084,7 @@
           <p:cNvPr id="6" name="Content Placeholder 8">
             <a:extLst>
               <a:ext uri="{FF2B5EF4-FFF2-40B4-BE49-F238E27FC236}">
-                <a16:creationId xmlns:a16="http://schemas.microsoft.com/office/drawing/2014/main" id="{3B4F2E0F-78BC-2FE8-4808-2A26179B55EA}"/>
+                <a16:creationId xmlns:a16="http://schemas.microsoft.com/office/drawing/2014/main" id="{E14C8B7C-5374-9F15-7E64-6002257A2D5E}"/>
               </a:ext>
             </a:extLst>
           </p:cNvPr>
@@ -8386,8 +9095,8 @@
         </p:nvSpPr>
         <p:spPr>
           <a:xfrm>
-            <a:off x="5249333" y="2658533"/>
-            <a:ext cx="5621867" cy="4174894"/>
+            <a:off x="6096000" y="3593221"/>
+            <a:ext cx="5569258" cy="2203897"/>
           </a:xfrm>
           <a:prstGeom prst="rect">
             <a:avLst/>
@@ -8396,7 +9105,7 @@
         </p:spPr>
         <p:txBody>
           <a:bodyPr vert="horz" lIns="91440" tIns="45720" rIns="91440" bIns="45720" rtlCol="0" anchor="t">
-            <a:normAutofit/>
+            <a:noAutofit/>
           </a:bodyPr>
           <a:lstStyle>
             <a:defPPr>
@@ -8556,242 +9265,70 @@
             </a:lvl9pPr>
           </a:lstStyle>
           <a:p>
-            <a:pPr algn="ctr">
+            <a:pPr marL="0" marR="0" indent="0">
+              <a:lnSpc>
+                <a:spcPct val="100000"/>
+              </a:lnSpc>
+              <a:spcBef>
+                <a:spcPts val="0"/>
+              </a:spcBef>
               <a:spcAft>
                 <a:spcPts val="1200"/>
               </a:spcAft>
             </a:pPr>
             <a:r>
-              <a:rPr lang="en-US" dirty="0"/>
-              <a:t>Azure backend recognition response:</a:t>
-            </a:r>
-          </a:p>
-          <a:p>
-            <a:pPr algn="ctr">
+              <a:rPr lang="en-US" sz="1800" dirty="0"/>
+              <a:t>When uploading a picture of a cat AND a dog in the same picture what will the program return?</a:t>
+            </a:r>
+          </a:p>
+          <a:p>
+            <a:pPr marL="0" marR="0" indent="0">
+              <a:lnSpc>
+                <a:spcPct val="100000"/>
+              </a:lnSpc>
+              <a:spcBef>
+                <a:spcPts val="0"/>
+              </a:spcBef>
               <a:spcAft>
                 <a:spcPts val="1200"/>
               </a:spcAft>
             </a:pPr>
-            <a:endParaRPr lang="en-US" dirty="0"/>
-          </a:p>
-          <a:p>
-            <a:pPr algn="ctr">
+            <a:r>
+              <a:rPr lang="en-US" sz="1800" dirty="0"/>
+              <a:t>Expected Result: Names will be returned correlating to both cats and dogs.</a:t>
+            </a:r>
+          </a:p>
+          <a:p>
+            <a:pPr>
+              <a:lnSpc>
+                <a:spcPct val="100000"/>
+              </a:lnSpc>
               <a:spcAft>
                 <a:spcPts val="1200"/>
               </a:spcAft>
             </a:pPr>
-            <a:endParaRPr lang="en-US" dirty="0"/>
-          </a:p>
-          <a:p>
-            <a:pPr algn="ctr">
-              <a:spcAft>
-                <a:spcPts val="1200"/>
-              </a:spcAft>
+            <a:r>
+              <a:rPr lang="en-US" sz="1800" dirty="0"/>
+              <a:t>Result: As expected.</a:t>
+            </a:r>
+          </a:p>
+          <a:p>
+            <a:pPr>
+              <a:lnSpc>
+                <a:spcPct val="100000"/>
+              </a:lnSpc>
             </a:pPr>
-            <a:endParaRPr lang="en-US" dirty="0"/>
-          </a:p>
-          <a:p>
-            <a:pPr algn="ctr">
-              <a:spcAft>
-                <a:spcPts val="1200"/>
-              </a:spcAft>
-            </a:pPr>
-            <a:endParaRPr lang="en-US" dirty="0"/>
-          </a:p>
-          <a:p>
-            <a:pPr>
-              <a:spcAft>
-                <a:spcPts val="1200"/>
-              </a:spcAft>
-            </a:pPr>
-            <a:r>
-              <a:rPr lang="en-US" dirty="0"/>
-              <a:t>      ‘cat’ was sent to our database </a:t>
-            </a:r>
-          </a:p>
-          <a:p>
-            <a:pPr algn="ctr">
-              <a:spcAft>
-                <a:spcPts val="1200"/>
-              </a:spcAft>
-            </a:pPr>
-            <a:r>
-              <a:rPr lang="en-US" dirty="0"/>
-              <a:t>and the name suggestions were returned</a:t>
-            </a:r>
-          </a:p>
-        </p:txBody>
-      </p:sp>
-      <p:pic>
-        <p:nvPicPr>
-          <p:cNvPr id="7" name="Picture 6">
-            <a:extLst>
-              <a:ext uri="{FF2B5EF4-FFF2-40B4-BE49-F238E27FC236}">
-                <a16:creationId xmlns:a16="http://schemas.microsoft.com/office/drawing/2014/main" id="{D2F95D9E-F2EB-24CB-45B0-3198A9E46115}"/>
-              </a:ext>
-            </a:extLst>
-          </p:cNvPr>
-          <p:cNvPicPr>
-            <a:picLocks noChangeAspect="1"/>
-          </p:cNvPicPr>
-          <p:nvPr/>
-        </p:nvPicPr>
-        <p:blipFill>
-          <a:blip r:embed="rId2"/>
-          <a:stretch>
-            <a:fillRect/>
-          </a:stretch>
-        </p:blipFill>
-        <p:spPr>
-          <a:xfrm>
-            <a:off x="0" y="-1"/>
-            <a:ext cx="4646246" cy="6874035"/>
-          </a:xfrm>
-          <a:prstGeom prst="rect">
-            <a:avLst/>
-          </a:prstGeom>
-        </p:spPr>
-      </p:pic>
-      <p:pic>
-        <p:nvPicPr>
-          <p:cNvPr id="9" name="Picture 8">
-            <a:extLst>
-              <a:ext uri="{FF2B5EF4-FFF2-40B4-BE49-F238E27FC236}">
-                <a16:creationId xmlns:a16="http://schemas.microsoft.com/office/drawing/2014/main" id="{BE460E51-84F4-59CB-9B68-F8A1939C0E63}"/>
-              </a:ext>
-            </a:extLst>
-          </p:cNvPr>
-          <p:cNvPicPr>
-            <a:picLocks noChangeAspect="1"/>
-          </p:cNvPicPr>
-          <p:nvPr/>
-        </p:nvPicPr>
-        <p:blipFill>
-          <a:blip r:embed="rId3"/>
-          <a:stretch>
-            <a:fillRect/>
-          </a:stretch>
-        </p:blipFill>
-        <p:spPr>
-          <a:xfrm>
-            <a:off x="4671457" y="3260586"/>
-            <a:ext cx="7498080" cy="2319226"/>
-          </a:xfrm>
-          <a:prstGeom prst="rect">
-            <a:avLst/>
-          </a:prstGeom>
-        </p:spPr>
-      </p:pic>
-      <p:sp>
-        <p:nvSpPr>
-          <p:cNvPr id="10" name="Arrow: Curved Right 9">
-            <a:extLst>
-              <a:ext uri="{FF2B5EF4-FFF2-40B4-BE49-F238E27FC236}">
-                <a16:creationId xmlns:a16="http://schemas.microsoft.com/office/drawing/2014/main" id="{AC885B01-D672-FAF5-336A-A7234D2CED95}"/>
-              </a:ext>
-            </a:extLst>
-          </p:cNvPr>
-          <p:cNvSpPr/>
-          <p:nvPr/>
-        </p:nvSpPr>
-        <p:spPr>
-          <a:xfrm rot="20112804" flipV="1">
-            <a:off x="3448220" y="3766431"/>
-            <a:ext cx="1786658" cy="2639493"/>
-          </a:xfrm>
-          <a:prstGeom prst="curvedRightArrow">
-            <a:avLst>
-              <a:gd name="adj1" fmla="val 2299"/>
-              <a:gd name="adj2" fmla="val 29443"/>
-              <a:gd name="adj3" fmla="val 25000"/>
-            </a:avLst>
-          </a:prstGeom>
-          <a:solidFill>
-            <a:srgbClr val="FF0000"/>
-          </a:solidFill>
-          <a:ln>
-            <a:solidFill>
-              <a:srgbClr val="FF0000"/>
-            </a:solidFill>
-          </a:ln>
-        </p:spPr>
-        <p:style>
-          <a:lnRef idx="2">
-            <a:schemeClr val="accent1">
-              <a:shade val="15000"/>
-            </a:schemeClr>
-          </a:lnRef>
-          <a:fillRef idx="1">
-            <a:schemeClr val="accent1"/>
-          </a:fillRef>
-          <a:effectRef idx="0">
-            <a:schemeClr val="accent1"/>
-          </a:effectRef>
-          <a:fontRef idx="minor">
-            <a:schemeClr val="lt1"/>
-          </a:fontRef>
-        </p:style>
-        <p:txBody>
-          <a:bodyPr rtlCol="0" anchor="ctr"/>
-          <a:lstStyle/>
-          <a:p>
-            <a:pPr algn="ctr"/>
-            <a:endParaRPr lang="en-US">
-              <a:solidFill>
-                <a:schemeClr val="tx1"/>
-              </a:solidFill>
-            </a:endParaRPr>
-          </a:p>
-        </p:txBody>
-      </p:sp>
-      <p:cxnSp>
-        <p:nvCxnSpPr>
-          <p:cNvPr id="12" name="Straight Arrow Connector 11">
-            <a:extLst>
-              <a:ext uri="{FF2B5EF4-FFF2-40B4-BE49-F238E27FC236}">
-                <a16:creationId xmlns:a16="http://schemas.microsoft.com/office/drawing/2014/main" id="{9288CC5E-F2D4-48FE-C914-1B2951B28EFD}"/>
-              </a:ext>
-            </a:extLst>
-          </p:cNvPr>
-          <p:cNvCxnSpPr>
-            <a:cxnSpLocks/>
-          </p:cNvCxnSpPr>
-          <p:nvPr/>
-        </p:nvCxnSpPr>
-        <p:spPr>
-          <a:xfrm flipH="1" flipV="1">
-            <a:off x="3352800" y="6045200"/>
-            <a:ext cx="2048933" cy="423103"/>
-          </a:xfrm>
-          <a:prstGeom prst="straightConnector1">
-            <a:avLst/>
-          </a:prstGeom>
-          <a:ln w="57150">
-            <a:solidFill>
-              <a:srgbClr val="FF0000"/>
-            </a:solidFill>
-            <a:tailEnd type="triangle"/>
-          </a:ln>
-        </p:spPr>
-        <p:style>
-          <a:lnRef idx="1">
-            <a:schemeClr val="accent1"/>
-          </a:lnRef>
-          <a:fillRef idx="0">
-            <a:schemeClr val="accent1"/>
-          </a:fillRef>
-          <a:effectRef idx="0">
-            <a:schemeClr val="accent1"/>
-          </a:effectRef>
-          <a:fontRef idx="minor">
-            <a:schemeClr val="tx1"/>
-          </a:fontRef>
-        </p:style>
-      </p:cxnSp>
+            <a:r>
+              <a:rPr lang="en-US" sz="1800" dirty="0"/>
+              <a:t>Potential Improvements: Separate name suggestions by species. </a:t>
+            </a:r>
+          </a:p>
+        </p:txBody>
+      </p:sp>
     </p:spTree>
     <p:extLst>
       <p:ext uri="{BB962C8B-B14F-4D97-AF65-F5344CB8AC3E}">
-        <p14:creationId xmlns:p14="http://schemas.microsoft.com/office/powerpoint/2010/main" val="3147156588"/>
+        <p14:creationId xmlns:p14="http://schemas.microsoft.com/office/powerpoint/2010/main" val="3429581366"/>
       </p:ext>
     </p:extLst>
   </p:cSld>
@@ -9687,12 +10224,23 @@
 </file>
 
 <file path=customXml/item1.xml><?xml version="1.0" encoding="utf-8"?>
-<?mso-contentType ?>
-<FormTemplates xmlns="http://schemas.microsoft.com/sharepoint/v3/contenttype/forms">
-  <Display>DocumentLibraryForm</Display>
-  <Edit>DocumentLibraryForm</Edit>
-  <New>DocumentLibraryForm</New>
-</FormTemplates>
+<p:properties xmlns:p="http://schemas.microsoft.com/office/2006/metadata/properties" xmlns:xsi="http://www.w3.org/2001/XMLSchema-instance" xmlns:pc="http://schemas.microsoft.com/office/infopath/2007/PartnerControls">
+  <documentManagement>
+    <Status xmlns="71af3243-3dd4-4a8d-8c0d-dd76da1f02a5">Not started</Status>
+    <MediaServiceKeyPoints xmlns="71af3243-3dd4-4a8d-8c0d-dd76da1f02a5" xsi:nil="true"/>
+    <_ip_UnifiedCompliancePolicyUIAction xmlns="http://schemas.microsoft.com/sharepoint/v3" xsi:nil="true"/>
+    <Image xmlns="71af3243-3dd4-4a8d-8c0d-dd76da1f02a5">
+      <Url xsi:nil="true"/>
+      <Description xsi:nil="true"/>
+    </Image>
+    <Background xmlns="71af3243-3dd4-4a8d-8c0d-dd76da1f02a5">false</Background>
+    <_ip_UnifiedCompliancePolicyProperties xmlns="http://schemas.microsoft.com/sharepoint/v3" xsi:nil="true"/>
+    <ImageTagsTaxHTField xmlns="71af3243-3dd4-4a8d-8c0d-dd76da1f02a5">
+      <Terms xmlns="http://schemas.microsoft.com/office/infopath/2007/PartnerControls"/>
+    </ImageTagsTaxHTField>
+    <TaxCatchAll xmlns="230e9df3-be65-4c73-a93b-d1236ebd677e" xsi:nil="true"/>
+  </documentManagement>
+</p:properties>
 </file>
 
 <file path=customXml/item2.xml><?xml version="1.0" encoding="utf-8"?>
@@ -10008,29 +10556,22 @@
 </file>
 
 <file path=customXml/item3.xml><?xml version="1.0" encoding="utf-8"?>
-<p:properties xmlns:p="http://schemas.microsoft.com/office/2006/metadata/properties" xmlns:xsi="http://www.w3.org/2001/XMLSchema-instance" xmlns:pc="http://schemas.microsoft.com/office/infopath/2007/PartnerControls">
-  <documentManagement>
-    <Status xmlns="71af3243-3dd4-4a8d-8c0d-dd76da1f02a5">Not started</Status>
-    <MediaServiceKeyPoints xmlns="71af3243-3dd4-4a8d-8c0d-dd76da1f02a5" xsi:nil="true"/>
-    <_ip_UnifiedCompliancePolicyUIAction xmlns="http://schemas.microsoft.com/sharepoint/v3" xsi:nil="true"/>
-    <Image xmlns="71af3243-3dd4-4a8d-8c0d-dd76da1f02a5">
-      <Url xsi:nil="true"/>
-      <Description xsi:nil="true"/>
-    </Image>
-    <Background xmlns="71af3243-3dd4-4a8d-8c0d-dd76da1f02a5">false</Background>
-    <_ip_UnifiedCompliancePolicyProperties xmlns="http://schemas.microsoft.com/sharepoint/v3" xsi:nil="true"/>
-    <ImageTagsTaxHTField xmlns="71af3243-3dd4-4a8d-8c0d-dd76da1f02a5">
-      <Terms xmlns="http://schemas.microsoft.com/office/infopath/2007/PartnerControls"/>
-    </ImageTagsTaxHTField>
-    <TaxCatchAll xmlns="230e9df3-be65-4c73-a93b-d1236ebd677e" xsi:nil="true"/>
-  </documentManagement>
-</p:properties>
+<?mso-contentType ?>
+<FormTemplates xmlns="http://schemas.microsoft.com/sharepoint/v3/contenttype/forms">
+  <Display>DocumentLibraryForm</Display>
+  <Edit>DocumentLibraryForm</Edit>
+  <New>DocumentLibraryForm</New>
+</FormTemplates>
 </file>
 
 <file path=customXml/itemProps1.xml><?xml version="1.0" encoding="utf-8"?>
-<ds:datastoreItem xmlns:ds="http://schemas.openxmlformats.org/officeDocument/2006/customXml" ds:itemID="{99E4EAC9-33DC-4CF0-BA31-C98F61CE4785}">
+<ds:datastoreItem xmlns:ds="http://schemas.openxmlformats.org/officeDocument/2006/customXml" ds:itemID="{8002A8ED-1331-4C1D-8649-743D7BE164DD}">
   <ds:schemaRefs>
-    <ds:schemaRef ds:uri="http://schemas.microsoft.com/sharepoint/v3/contenttype/forms"/>
+    <ds:schemaRef ds:uri="http://schemas.microsoft.com/office/2006/metadata/properties"/>
+    <ds:schemaRef ds:uri="http://schemas.microsoft.com/office/infopath/2007/PartnerControls"/>
+    <ds:schemaRef ds:uri="71af3243-3dd4-4a8d-8c0d-dd76da1f02a5"/>
+    <ds:schemaRef ds:uri="http://schemas.microsoft.com/sharepoint/v3"/>
+    <ds:schemaRef ds:uri="230e9df3-be65-4c73-a93b-d1236ebd677e"/>
   </ds:schemaRefs>
 </ds:datastoreItem>
 </file>
@@ -10057,13 +10598,9 @@
 </file>
 
 <file path=customXml/itemProps3.xml><?xml version="1.0" encoding="utf-8"?>
-<ds:datastoreItem xmlns:ds="http://schemas.openxmlformats.org/officeDocument/2006/customXml" ds:itemID="{8002A8ED-1331-4C1D-8649-743D7BE164DD}">
+<ds:datastoreItem xmlns:ds="http://schemas.openxmlformats.org/officeDocument/2006/customXml" ds:itemID="{99E4EAC9-33DC-4CF0-BA31-C98F61CE4785}">
   <ds:schemaRefs>
-    <ds:schemaRef ds:uri="http://schemas.microsoft.com/office/2006/metadata/properties"/>
-    <ds:schemaRef ds:uri="http://schemas.microsoft.com/office/infopath/2007/PartnerControls"/>
-    <ds:schemaRef ds:uri="71af3243-3dd4-4a8d-8c0d-dd76da1f02a5"/>
-    <ds:schemaRef ds:uri="http://schemas.microsoft.com/sharepoint/v3"/>
-    <ds:schemaRef ds:uri="230e9df3-be65-4c73-a93b-d1236ebd677e"/>
+    <ds:schemaRef ds:uri="http://schemas.microsoft.com/sharepoint/v3/contenttype/forms"/>
   </ds:schemaRefs>
 </ds:datastoreItem>
 </file>
